--- a/plantillas/cotizacion.pptx
+++ b/plantillas/cotizacion.pptx
@@ -2,12 +2,9 @@
 <file path=ppt/presentation.xml><?xml version="1.0" encoding="utf-8"?>
 <p:presentation xmlns:a="http://schemas.openxmlformats.org/drawingml/2006/main" xmlns:r="http://schemas.openxmlformats.org/officeDocument/2006/relationships" xmlns:p="http://schemas.openxmlformats.org/presentationml/2006/main" saveSubsetFonts="1">
   <p:sldMasterIdLst>
-    <p:sldMasterId id="2147483660" r:id="rId1"/>
+    <p:sldMasterId id="2147483648" r:id="rId1"/>
   </p:sldMasterIdLst>
-  <p:sldIdLst>
-    <p:sldId id="256" r:id="rId2"/>
-  </p:sldIdLst>
-  <p:sldSz cx="9144000" cy="6858000" type="letter"/>
+  <p:sldSz cx="6858000" cy="9144000" type="letter"/>
   <p:notesSz cx="6858000" cy="9144000"/>
   <p:defaultTextStyle>
     <a:defPPr>
@@ -126,7 +123,7 @@
       </p:grpSpPr>
       <p:sp>
         <p:nvSpPr>
-          <p:cNvPr id="2" name="Title 1"/>
+          <p:cNvPr id="2" name="Título 1"/>
           <p:cNvSpPr>
             <a:spLocks noGrp="1"/>
           </p:cNvSpPr>
@@ -136,15 +133,15 @@
         </p:nvSpPr>
         <p:spPr>
           <a:xfrm>
-            <a:off x="685800" y="1122363"/>
-            <a:ext cx="7772400" cy="2387600"/>
+            <a:off x="857250" y="1496484"/>
+            <a:ext cx="5143500" cy="3183467"/>
           </a:xfrm>
         </p:spPr>
         <p:txBody>
           <a:bodyPr anchor="b"/>
           <a:lstStyle>
             <a:lvl1pPr algn="ctr">
-              <a:defRPr sz="6000"/>
+              <a:defRPr sz="3375"/>
             </a:lvl1pPr>
           </a:lstStyle>
           <a:p>
@@ -152,13 +149,13 @@
               <a:rPr lang="es-ES" smtClean="0"/>
               <a:t>Haga clic para modificar el estilo de título del patrón</a:t>
             </a:r>
-            <a:endParaRPr lang="en-US" dirty="0"/>
-          </a:p>
-        </p:txBody>
-      </p:sp>
-      <p:sp>
-        <p:nvSpPr>
-          <p:cNvPr id="3" name="Subtitle 2"/>
+            <a:endParaRPr lang="es-CO"/>
+          </a:p>
+        </p:txBody>
+      </p:sp>
+      <p:sp>
+        <p:nvSpPr>
+          <p:cNvPr id="3" name="Subtítulo 2"/>
           <p:cNvSpPr>
             <a:spLocks noGrp="1"/>
           </p:cNvSpPr>
@@ -168,8 +165,8 @@
         </p:nvSpPr>
         <p:spPr>
           <a:xfrm>
-            <a:off x="1143000" y="3602038"/>
-            <a:ext cx="6858000" cy="1655762"/>
+            <a:off x="857250" y="4802717"/>
+            <a:ext cx="5143500" cy="2207683"/>
           </a:xfrm>
         </p:spPr>
         <p:txBody>
@@ -177,39 +174,39 @@
           <a:lstStyle>
             <a:lvl1pPr marL="0" indent="0" algn="ctr">
               <a:buNone/>
-              <a:defRPr sz="2400"/>
+              <a:defRPr sz="1350"/>
             </a:lvl1pPr>
-            <a:lvl2pPr marL="457200" indent="0" algn="ctr">
-              <a:buNone/>
-              <a:defRPr sz="2000"/>
+            <a:lvl2pPr marL="257175" indent="0" algn="ctr">
+              <a:buNone/>
+              <a:defRPr sz="1125"/>
             </a:lvl2pPr>
-            <a:lvl3pPr marL="914400" indent="0" algn="ctr">
-              <a:buNone/>
-              <a:defRPr sz="1800"/>
+            <a:lvl3pPr marL="514350" indent="0" algn="ctr">
+              <a:buNone/>
+              <a:defRPr sz="1013"/>
             </a:lvl3pPr>
-            <a:lvl4pPr marL="1371600" indent="0" algn="ctr">
-              <a:buNone/>
-              <a:defRPr sz="1600"/>
+            <a:lvl4pPr marL="771525" indent="0" algn="ctr">
+              <a:buNone/>
+              <a:defRPr sz="900"/>
             </a:lvl4pPr>
-            <a:lvl5pPr marL="1828800" indent="0" algn="ctr">
-              <a:buNone/>
-              <a:defRPr sz="1600"/>
+            <a:lvl5pPr marL="1028700" indent="0" algn="ctr">
+              <a:buNone/>
+              <a:defRPr sz="900"/>
             </a:lvl5pPr>
-            <a:lvl6pPr marL="2286000" indent="0" algn="ctr">
-              <a:buNone/>
-              <a:defRPr sz="1600"/>
+            <a:lvl6pPr marL="1285875" indent="0" algn="ctr">
+              <a:buNone/>
+              <a:defRPr sz="900"/>
             </a:lvl6pPr>
-            <a:lvl7pPr marL="2743200" indent="0" algn="ctr">
-              <a:buNone/>
-              <a:defRPr sz="1600"/>
+            <a:lvl7pPr marL="1543050" indent="0" algn="ctr">
+              <a:buNone/>
+              <a:defRPr sz="900"/>
             </a:lvl7pPr>
-            <a:lvl8pPr marL="3200400" indent="0" algn="ctr">
-              <a:buNone/>
-              <a:defRPr sz="1600"/>
+            <a:lvl8pPr marL="1800225" indent="0" algn="ctr">
+              <a:buNone/>
+              <a:defRPr sz="900"/>
             </a:lvl8pPr>
-            <a:lvl9pPr marL="3657600" indent="0" algn="ctr">
-              <a:buNone/>
-              <a:defRPr sz="1600"/>
+            <a:lvl9pPr marL="2057400" indent="0" algn="ctr">
+              <a:buNone/>
+              <a:defRPr sz="900"/>
             </a:lvl9pPr>
           </a:lstStyle>
           <a:p>
@@ -217,13 +214,13 @@
               <a:rPr lang="es-ES" smtClean="0"/>
               <a:t>Haga clic para modificar el estilo de subtítulo del patrón</a:t>
             </a:r>
-            <a:endParaRPr lang="en-US" dirty="0"/>
-          </a:p>
-        </p:txBody>
-      </p:sp>
-      <p:sp>
-        <p:nvSpPr>
-          <p:cNvPr id="4" name="Date Placeholder 3"/>
+            <a:endParaRPr lang="es-CO"/>
+          </a:p>
+        </p:txBody>
+      </p:sp>
+      <p:sp>
+        <p:nvSpPr>
+          <p:cNvPr id="4" name="Marcador de fecha 3"/>
           <p:cNvSpPr>
             <a:spLocks noGrp="1"/>
           </p:cNvSpPr>
@@ -236,9 +233,9 @@
           <a:bodyPr/>
           <a:lstStyle/>
           <a:p>
-            <a:fld id="{81136447-C232-4C84-A634-FB0A1451746F}" type="datetimeFigureOut">
+            <a:fld id="{3B2E3770-A23A-4173-BFB4-C5E21B224C77}" type="datetimeFigureOut">
               <a:rPr lang="es-CO" smtClean="0"/>
-              <a:t>12/09/2021</a:t>
+              <a:t>13/09/2021</a:t>
             </a:fld>
             <a:endParaRPr lang="es-CO"/>
           </a:p>
@@ -246,7 +243,7 @@
       </p:sp>
       <p:sp>
         <p:nvSpPr>
-          <p:cNvPr id="5" name="Footer Placeholder 4"/>
+          <p:cNvPr id="5" name="Marcador de pie de página 4"/>
           <p:cNvSpPr>
             <a:spLocks noGrp="1"/>
           </p:cNvSpPr>
@@ -265,7 +262,7 @@
       </p:sp>
       <p:sp>
         <p:nvSpPr>
-          <p:cNvPr id="6" name="Slide Number Placeholder 5"/>
+          <p:cNvPr id="6" name="Marcador de número de diapositiva 5"/>
           <p:cNvSpPr>
             <a:spLocks noGrp="1"/>
           </p:cNvSpPr>
@@ -278,7 +275,7 @@
           <a:bodyPr/>
           <a:lstStyle/>
           <a:p>
-            <a:fld id="{C3700CF3-B742-4B91-9BB7-8D9555338DC9}" type="slidenum">
+            <a:fld id="{3117F2EE-F53C-4EC3-A699-49251ACBC68D}" type="slidenum">
               <a:rPr lang="es-CO" smtClean="0"/>
               <a:t>‹Nº›</a:t>
             </a:fld>
@@ -289,7 +286,7 @@
     </p:spTree>
     <p:extLst>
       <p:ext uri="{BB962C8B-B14F-4D97-AF65-F5344CB8AC3E}">
-        <p14:creationId xmlns:p14="http://schemas.microsoft.com/office/powerpoint/2010/main" val="150389033"/>
+        <p14:creationId xmlns:p14="http://schemas.microsoft.com/office/powerpoint/2010/main" val="2313429109"/>
       </p:ext>
     </p:extLst>
   </p:cSld>
@@ -318,7 +315,7 @@
       </p:grpSpPr>
       <p:sp>
         <p:nvSpPr>
-          <p:cNvPr id="2" name="Title 1"/>
+          <p:cNvPr id="2" name="Título 1"/>
           <p:cNvSpPr>
             <a:spLocks noGrp="1"/>
           </p:cNvSpPr>
@@ -335,13 +332,13 @@
               <a:rPr lang="es-ES" smtClean="0"/>
               <a:t>Haga clic para modificar el estilo de título del patrón</a:t>
             </a:r>
-            <a:endParaRPr lang="en-US" dirty="0"/>
-          </a:p>
-        </p:txBody>
-      </p:sp>
-      <p:sp>
-        <p:nvSpPr>
-          <p:cNvPr id="3" name="Vertical Text Placeholder 2"/>
+            <a:endParaRPr lang="es-CO"/>
+          </a:p>
+        </p:txBody>
+      </p:sp>
+      <p:sp>
+        <p:nvSpPr>
+          <p:cNvPr id="3" name="Marcador de texto vertical 2"/>
           <p:cNvSpPr>
             <a:spLocks noGrp="1"/>
           </p:cNvSpPr>
@@ -387,13 +384,13 @@
               <a:rPr lang="es-ES" smtClean="0"/>
               <a:t>Quinto nivel</a:t>
             </a:r>
-            <a:endParaRPr lang="en-US" dirty="0"/>
-          </a:p>
-        </p:txBody>
-      </p:sp>
-      <p:sp>
-        <p:nvSpPr>
-          <p:cNvPr id="4" name="Date Placeholder 3"/>
+            <a:endParaRPr lang="es-CO"/>
+          </a:p>
+        </p:txBody>
+      </p:sp>
+      <p:sp>
+        <p:nvSpPr>
+          <p:cNvPr id="4" name="Marcador de fecha 3"/>
           <p:cNvSpPr>
             <a:spLocks noGrp="1"/>
           </p:cNvSpPr>
@@ -406,9 +403,9 @@
           <a:bodyPr/>
           <a:lstStyle/>
           <a:p>
-            <a:fld id="{81136447-C232-4C84-A634-FB0A1451746F}" type="datetimeFigureOut">
+            <a:fld id="{3B2E3770-A23A-4173-BFB4-C5E21B224C77}" type="datetimeFigureOut">
               <a:rPr lang="es-CO" smtClean="0"/>
-              <a:t>12/09/2021</a:t>
+              <a:t>13/09/2021</a:t>
             </a:fld>
             <a:endParaRPr lang="es-CO"/>
           </a:p>
@@ -416,7 +413,7 @@
       </p:sp>
       <p:sp>
         <p:nvSpPr>
-          <p:cNvPr id="5" name="Footer Placeholder 4"/>
+          <p:cNvPr id="5" name="Marcador de pie de página 4"/>
           <p:cNvSpPr>
             <a:spLocks noGrp="1"/>
           </p:cNvSpPr>
@@ -435,7 +432,7 @@
       </p:sp>
       <p:sp>
         <p:nvSpPr>
-          <p:cNvPr id="6" name="Slide Number Placeholder 5"/>
+          <p:cNvPr id="6" name="Marcador de número de diapositiva 5"/>
           <p:cNvSpPr>
             <a:spLocks noGrp="1"/>
           </p:cNvSpPr>
@@ -448,7 +445,7 @@
           <a:bodyPr/>
           <a:lstStyle/>
           <a:p>
-            <a:fld id="{C3700CF3-B742-4B91-9BB7-8D9555338DC9}" type="slidenum">
+            <a:fld id="{3117F2EE-F53C-4EC3-A699-49251ACBC68D}" type="slidenum">
               <a:rPr lang="es-CO" smtClean="0"/>
               <a:t>‹Nº›</a:t>
             </a:fld>
@@ -459,7 +456,7 @@
     </p:spTree>
     <p:extLst>
       <p:ext uri="{BB962C8B-B14F-4D97-AF65-F5344CB8AC3E}">
-        <p14:creationId xmlns:p14="http://schemas.microsoft.com/office/powerpoint/2010/main" val="2089437761"/>
+        <p14:creationId xmlns:p14="http://schemas.microsoft.com/office/powerpoint/2010/main" val="3112260963"/>
       </p:ext>
     </p:extLst>
   </p:cSld>
@@ -488,7 +485,7 @@
       </p:grpSpPr>
       <p:sp>
         <p:nvSpPr>
-          <p:cNvPr id="2" name="Vertical Title 1"/>
+          <p:cNvPr id="2" name="Título vertical 1"/>
           <p:cNvSpPr>
             <a:spLocks noGrp="1"/>
           </p:cNvSpPr>
@@ -498,8 +495,8 @@
         </p:nvSpPr>
         <p:spPr>
           <a:xfrm>
-            <a:off x="6543675" y="365125"/>
-            <a:ext cx="1971675" cy="5811838"/>
+            <a:off x="2761060" y="649818"/>
+            <a:ext cx="831354" cy="10331449"/>
           </a:xfrm>
         </p:spPr>
         <p:txBody>
@@ -510,13 +507,13 @@
               <a:rPr lang="es-ES" smtClean="0"/>
               <a:t>Haga clic para modificar el estilo de título del patrón</a:t>
             </a:r>
-            <a:endParaRPr lang="en-US" dirty="0"/>
-          </a:p>
-        </p:txBody>
-      </p:sp>
-      <p:sp>
-        <p:nvSpPr>
-          <p:cNvPr id="3" name="Vertical Text Placeholder 2"/>
+            <a:endParaRPr lang="es-CO"/>
+          </a:p>
+        </p:txBody>
+      </p:sp>
+      <p:sp>
+        <p:nvSpPr>
+          <p:cNvPr id="3" name="Marcador de texto vertical 2"/>
           <p:cNvSpPr>
             <a:spLocks noGrp="1"/>
           </p:cNvSpPr>
@@ -526,8 +523,8 @@
         </p:nvSpPr>
         <p:spPr>
           <a:xfrm>
-            <a:off x="628650" y="365125"/>
-            <a:ext cx="5800725" cy="5811838"/>
+            <a:off x="265212" y="649818"/>
+            <a:ext cx="2410122" cy="10331449"/>
           </a:xfrm>
         </p:spPr>
         <p:txBody>
@@ -567,13 +564,13 @@
               <a:rPr lang="es-ES" smtClean="0"/>
               <a:t>Quinto nivel</a:t>
             </a:r>
-            <a:endParaRPr lang="en-US" dirty="0"/>
-          </a:p>
-        </p:txBody>
-      </p:sp>
-      <p:sp>
-        <p:nvSpPr>
-          <p:cNvPr id="4" name="Date Placeholder 3"/>
+            <a:endParaRPr lang="es-CO"/>
+          </a:p>
+        </p:txBody>
+      </p:sp>
+      <p:sp>
+        <p:nvSpPr>
+          <p:cNvPr id="4" name="Marcador de fecha 3"/>
           <p:cNvSpPr>
             <a:spLocks noGrp="1"/>
           </p:cNvSpPr>
@@ -586,9 +583,9 @@
           <a:bodyPr/>
           <a:lstStyle/>
           <a:p>
-            <a:fld id="{81136447-C232-4C84-A634-FB0A1451746F}" type="datetimeFigureOut">
+            <a:fld id="{3B2E3770-A23A-4173-BFB4-C5E21B224C77}" type="datetimeFigureOut">
               <a:rPr lang="es-CO" smtClean="0"/>
-              <a:t>12/09/2021</a:t>
+              <a:t>13/09/2021</a:t>
             </a:fld>
             <a:endParaRPr lang="es-CO"/>
           </a:p>
@@ -596,7 +593,7 @@
       </p:sp>
       <p:sp>
         <p:nvSpPr>
-          <p:cNvPr id="5" name="Footer Placeholder 4"/>
+          <p:cNvPr id="5" name="Marcador de pie de página 4"/>
           <p:cNvSpPr>
             <a:spLocks noGrp="1"/>
           </p:cNvSpPr>
@@ -615,7 +612,7 @@
       </p:sp>
       <p:sp>
         <p:nvSpPr>
-          <p:cNvPr id="6" name="Slide Number Placeholder 5"/>
+          <p:cNvPr id="6" name="Marcador de número de diapositiva 5"/>
           <p:cNvSpPr>
             <a:spLocks noGrp="1"/>
           </p:cNvSpPr>
@@ -628,7 +625,7 @@
           <a:bodyPr/>
           <a:lstStyle/>
           <a:p>
-            <a:fld id="{C3700CF3-B742-4B91-9BB7-8D9555338DC9}" type="slidenum">
+            <a:fld id="{3117F2EE-F53C-4EC3-A699-49251ACBC68D}" type="slidenum">
               <a:rPr lang="es-CO" smtClean="0"/>
               <a:t>‹Nº›</a:t>
             </a:fld>
@@ -639,7 +636,7 @@
     </p:spTree>
     <p:extLst>
       <p:ext uri="{BB962C8B-B14F-4D97-AF65-F5344CB8AC3E}">
-        <p14:creationId xmlns:p14="http://schemas.microsoft.com/office/powerpoint/2010/main" val="1536599917"/>
+        <p14:creationId xmlns:p14="http://schemas.microsoft.com/office/powerpoint/2010/main" val="421735155"/>
       </p:ext>
     </p:extLst>
   </p:cSld>
@@ -668,7 +665,7 @@
       </p:grpSpPr>
       <p:sp>
         <p:nvSpPr>
-          <p:cNvPr id="2" name="Title 1"/>
+          <p:cNvPr id="2" name="Título 1"/>
           <p:cNvSpPr>
             <a:spLocks noGrp="1"/>
           </p:cNvSpPr>
@@ -685,13 +682,13 @@
               <a:rPr lang="es-ES" smtClean="0"/>
               <a:t>Haga clic para modificar el estilo de título del patrón</a:t>
             </a:r>
-            <a:endParaRPr lang="en-US" dirty="0"/>
-          </a:p>
-        </p:txBody>
-      </p:sp>
-      <p:sp>
-        <p:nvSpPr>
-          <p:cNvPr id="3" name="Content Placeholder 2"/>
+            <a:endParaRPr lang="es-CO"/>
+          </a:p>
+        </p:txBody>
+      </p:sp>
+      <p:sp>
+        <p:nvSpPr>
+          <p:cNvPr id="3" name="Marcador de contenido 2"/>
           <p:cNvSpPr>
             <a:spLocks noGrp="1"/>
           </p:cNvSpPr>
@@ -737,13 +734,13 @@
               <a:rPr lang="es-ES" smtClean="0"/>
               <a:t>Quinto nivel</a:t>
             </a:r>
-            <a:endParaRPr lang="en-US" dirty="0"/>
-          </a:p>
-        </p:txBody>
-      </p:sp>
-      <p:sp>
-        <p:nvSpPr>
-          <p:cNvPr id="4" name="Date Placeholder 3"/>
+            <a:endParaRPr lang="es-CO"/>
+          </a:p>
+        </p:txBody>
+      </p:sp>
+      <p:sp>
+        <p:nvSpPr>
+          <p:cNvPr id="4" name="Marcador de fecha 3"/>
           <p:cNvSpPr>
             <a:spLocks noGrp="1"/>
           </p:cNvSpPr>
@@ -756,9 +753,9 @@
           <a:bodyPr/>
           <a:lstStyle/>
           <a:p>
-            <a:fld id="{81136447-C232-4C84-A634-FB0A1451746F}" type="datetimeFigureOut">
+            <a:fld id="{3B2E3770-A23A-4173-BFB4-C5E21B224C77}" type="datetimeFigureOut">
               <a:rPr lang="es-CO" smtClean="0"/>
-              <a:t>12/09/2021</a:t>
+              <a:t>13/09/2021</a:t>
             </a:fld>
             <a:endParaRPr lang="es-CO"/>
           </a:p>
@@ -766,7 +763,7 @@
       </p:sp>
       <p:sp>
         <p:nvSpPr>
-          <p:cNvPr id="5" name="Footer Placeholder 4"/>
+          <p:cNvPr id="5" name="Marcador de pie de página 4"/>
           <p:cNvSpPr>
             <a:spLocks noGrp="1"/>
           </p:cNvSpPr>
@@ -785,7 +782,7 @@
       </p:sp>
       <p:sp>
         <p:nvSpPr>
-          <p:cNvPr id="6" name="Slide Number Placeholder 5"/>
+          <p:cNvPr id="6" name="Marcador de número de diapositiva 5"/>
           <p:cNvSpPr>
             <a:spLocks noGrp="1"/>
           </p:cNvSpPr>
@@ -798,7 +795,7 @@
           <a:bodyPr/>
           <a:lstStyle/>
           <a:p>
-            <a:fld id="{C3700CF3-B742-4B91-9BB7-8D9555338DC9}" type="slidenum">
+            <a:fld id="{3117F2EE-F53C-4EC3-A699-49251ACBC68D}" type="slidenum">
               <a:rPr lang="es-CO" smtClean="0"/>
               <a:t>‹Nº›</a:t>
             </a:fld>
@@ -809,7 +806,7 @@
     </p:spTree>
     <p:extLst>
       <p:ext uri="{BB962C8B-B14F-4D97-AF65-F5344CB8AC3E}">
-        <p14:creationId xmlns:p14="http://schemas.microsoft.com/office/powerpoint/2010/main" val="1050768595"/>
+        <p14:creationId xmlns:p14="http://schemas.microsoft.com/office/powerpoint/2010/main" val="3338860387"/>
       </p:ext>
     </p:extLst>
   </p:cSld>
@@ -838,7 +835,7 @@
       </p:grpSpPr>
       <p:sp>
         <p:nvSpPr>
-          <p:cNvPr id="2" name="Title 1"/>
+          <p:cNvPr id="2" name="Título 1"/>
           <p:cNvSpPr>
             <a:spLocks noGrp="1"/>
           </p:cNvSpPr>
@@ -848,15 +845,15 @@
         </p:nvSpPr>
         <p:spPr>
           <a:xfrm>
-            <a:off x="623888" y="1709739"/>
-            <a:ext cx="7886700" cy="2852737"/>
+            <a:off x="467916" y="2279652"/>
+            <a:ext cx="5915025" cy="3803649"/>
           </a:xfrm>
         </p:spPr>
         <p:txBody>
           <a:bodyPr anchor="b"/>
           <a:lstStyle>
             <a:lvl1pPr>
-              <a:defRPr sz="6000"/>
+              <a:defRPr sz="3375"/>
             </a:lvl1pPr>
           </a:lstStyle>
           <a:p>
@@ -864,13 +861,13 @@
               <a:rPr lang="es-ES" smtClean="0"/>
               <a:t>Haga clic para modificar el estilo de título del patrón</a:t>
             </a:r>
-            <a:endParaRPr lang="en-US" dirty="0"/>
-          </a:p>
-        </p:txBody>
-      </p:sp>
-      <p:sp>
-        <p:nvSpPr>
-          <p:cNvPr id="3" name="Text Placeholder 2"/>
+            <a:endParaRPr lang="es-CO"/>
+          </a:p>
+        </p:txBody>
+      </p:sp>
+      <p:sp>
+        <p:nvSpPr>
+          <p:cNvPr id="3" name="Marcador de texto 2"/>
           <p:cNvSpPr>
             <a:spLocks noGrp="1"/>
           </p:cNvSpPr>
@@ -880,8 +877,8 @@
         </p:nvSpPr>
         <p:spPr>
           <a:xfrm>
-            <a:off x="623888" y="4589464"/>
-            <a:ext cx="7886700" cy="1500187"/>
+            <a:off x="467916" y="6119285"/>
+            <a:ext cx="5915025" cy="2000249"/>
           </a:xfrm>
         </p:spPr>
         <p:txBody>
@@ -889,15 +886,17 @@
           <a:lstStyle>
             <a:lvl1pPr marL="0" indent="0">
               <a:buNone/>
-              <a:defRPr sz="2400">
+              <a:defRPr sz="1350">
                 <a:solidFill>
-                  <a:schemeClr val="tx1"/>
+                  <a:schemeClr val="tx1">
+                    <a:tint val="75000"/>
+                  </a:schemeClr>
                 </a:solidFill>
               </a:defRPr>
             </a:lvl1pPr>
-            <a:lvl2pPr marL="457200" indent="0">
-              <a:buNone/>
-              <a:defRPr sz="2000">
+            <a:lvl2pPr marL="257175" indent="0">
+              <a:buNone/>
+              <a:defRPr sz="1125">
                 <a:solidFill>
                   <a:schemeClr val="tx1">
                     <a:tint val="75000"/>
@@ -905,9 +904,9 @@
                 </a:solidFill>
               </a:defRPr>
             </a:lvl2pPr>
-            <a:lvl3pPr marL="914400" indent="0">
-              <a:buNone/>
-              <a:defRPr sz="1800">
+            <a:lvl3pPr marL="514350" indent="0">
+              <a:buNone/>
+              <a:defRPr sz="1013">
                 <a:solidFill>
                   <a:schemeClr val="tx1">
                     <a:tint val="75000"/>
@@ -915,9 +914,9 @@
                 </a:solidFill>
               </a:defRPr>
             </a:lvl3pPr>
-            <a:lvl4pPr marL="1371600" indent="0">
-              <a:buNone/>
-              <a:defRPr sz="1600">
+            <a:lvl4pPr marL="771525" indent="0">
+              <a:buNone/>
+              <a:defRPr sz="900">
                 <a:solidFill>
                   <a:schemeClr val="tx1">
                     <a:tint val="75000"/>
@@ -925,9 +924,9 @@
                 </a:solidFill>
               </a:defRPr>
             </a:lvl4pPr>
-            <a:lvl5pPr marL="1828800" indent="0">
-              <a:buNone/>
-              <a:defRPr sz="1600">
+            <a:lvl5pPr marL="1028700" indent="0">
+              <a:buNone/>
+              <a:defRPr sz="900">
                 <a:solidFill>
                   <a:schemeClr val="tx1">
                     <a:tint val="75000"/>
@@ -935,9 +934,9 @@
                 </a:solidFill>
               </a:defRPr>
             </a:lvl5pPr>
-            <a:lvl6pPr marL="2286000" indent="0">
-              <a:buNone/>
-              <a:defRPr sz="1600">
+            <a:lvl6pPr marL="1285875" indent="0">
+              <a:buNone/>
+              <a:defRPr sz="900">
                 <a:solidFill>
                   <a:schemeClr val="tx1">
                     <a:tint val="75000"/>
@@ -945,9 +944,9 @@
                 </a:solidFill>
               </a:defRPr>
             </a:lvl6pPr>
-            <a:lvl7pPr marL="2743200" indent="0">
-              <a:buNone/>
-              <a:defRPr sz="1600">
+            <a:lvl7pPr marL="1543050" indent="0">
+              <a:buNone/>
+              <a:defRPr sz="900">
                 <a:solidFill>
                   <a:schemeClr val="tx1">
                     <a:tint val="75000"/>
@@ -955,9 +954,9 @@
                 </a:solidFill>
               </a:defRPr>
             </a:lvl7pPr>
-            <a:lvl8pPr marL="3200400" indent="0">
-              <a:buNone/>
-              <a:defRPr sz="1600">
+            <a:lvl8pPr marL="1800225" indent="0">
+              <a:buNone/>
+              <a:defRPr sz="900">
                 <a:solidFill>
                   <a:schemeClr val="tx1">
                     <a:tint val="75000"/>
@@ -965,9 +964,9 @@
                 </a:solidFill>
               </a:defRPr>
             </a:lvl8pPr>
-            <a:lvl9pPr marL="3657600" indent="0">
-              <a:buNone/>
-              <a:defRPr sz="1600">
+            <a:lvl9pPr marL="2057400" indent="0">
+              <a:buNone/>
+              <a:defRPr sz="900">
                 <a:solidFill>
                   <a:schemeClr val="tx1">
                     <a:tint val="75000"/>
@@ -987,7 +986,7 @@
       </p:sp>
       <p:sp>
         <p:nvSpPr>
-          <p:cNvPr id="4" name="Date Placeholder 3"/>
+          <p:cNvPr id="4" name="Marcador de fecha 3"/>
           <p:cNvSpPr>
             <a:spLocks noGrp="1"/>
           </p:cNvSpPr>
@@ -1000,9 +999,9 @@
           <a:bodyPr/>
           <a:lstStyle/>
           <a:p>
-            <a:fld id="{81136447-C232-4C84-A634-FB0A1451746F}" type="datetimeFigureOut">
+            <a:fld id="{3B2E3770-A23A-4173-BFB4-C5E21B224C77}" type="datetimeFigureOut">
               <a:rPr lang="es-CO" smtClean="0"/>
-              <a:t>12/09/2021</a:t>
+              <a:t>13/09/2021</a:t>
             </a:fld>
             <a:endParaRPr lang="es-CO"/>
           </a:p>
@@ -1010,7 +1009,7 @@
       </p:sp>
       <p:sp>
         <p:nvSpPr>
-          <p:cNvPr id="5" name="Footer Placeholder 4"/>
+          <p:cNvPr id="5" name="Marcador de pie de página 4"/>
           <p:cNvSpPr>
             <a:spLocks noGrp="1"/>
           </p:cNvSpPr>
@@ -1029,7 +1028,7 @@
       </p:sp>
       <p:sp>
         <p:nvSpPr>
-          <p:cNvPr id="6" name="Slide Number Placeholder 5"/>
+          <p:cNvPr id="6" name="Marcador de número de diapositiva 5"/>
           <p:cNvSpPr>
             <a:spLocks noGrp="1"/>
           </p:cNvSpPr>
@@ -1042,7 +1041,7 @@
           <a:bodyPr/>
           <a:lstStyle/>
           <a:p>
-            <a:fld id="{C3700CF3-B742-4B91-9BB7-8D9555338DC9}" type="slidenum">
+            <a:fld id="{3117F2EE-F53C-4EC3-A699-49251ACBC68D}" type="slidenum">
               <a:rPr lang="es-CO" smtClean="0"/>
               <a:t>‹Nº›</a:t>
             </a:fld>
@@ -1053,7 +1052,7 @@
     </p:spTree>
     <p:extLst>
       <p:ext uri="{BB962C8B-B14F-4D97-AF65-F5344CB8AC3E}">
-        <p14:creationId xmlns:p14="http://schemas.microsoft.com/office/powerpoint/2010/main" val="3455121395"/>
+        <p14:creationId xmlns:p14="http://schemas.microsoft.com/office/powerpoint/2010/main" val="563176640"/>
       </p:ext>
     </p:extLst>
   </p:cSld>
@@ -1082,7 +1081,7 @@
       </p:grpSpPr>
       <p:sp>
         <p:nvSpPr>
-          <p:cNvPr id="2" name="Title 1"/>
+          <p:cNvPr id="2" name="Título 1"/>
           <p:cNvSpPr>
             <a:spLocks noGrp="1"/>
           </p:cNvSpPr>
@@ -1099,13 +1098,13 @@
               <a:rPr lang="es-ES" smtClean="0"/>
               <a:t>Haga clic para modificar el estilo de título del patrón</a:t>
             </a:r>
-            <a:endParaRPr lang="en-US" dirty="0"/>
-          </a:p>
-        </p:txBody>
-      </p:sp>
-      <p:sp>
-        <p:nvSpPr>
-          <p:cNvPr id="3" name="Content Placeholder 2"/>
+            <a:endParaRPr lang="es-CO"/>
+          </a:p>
+        </p:txBody>
+      </p:sp>
+      <p:sp>
+        <p:nvSpPr>
+          <p:cNvPr id="3" name="Marcador de contenido 2"/>
           <p:cNvSpPr>
             <a:spLocks noGrp="1"/>
           </p:cNvSpPr>
@@ -1115,8 +1114,8 @@
         </p:nvSpPr>
         <p:spPr>
           <a:xfrm>
-            <a:off x="628650" y="1825625"/>
-            <a:ext cx="3886200" cy="4351338"/>
+            <a:off x="265212" y="3244851"/>
+            <a:ext cx="1620738" cy="7736416"/>
           </a:xfrm>
         </p:spPr>
         <p:txBody>
@@ -1156,13 +1155,13 @@
               <a:rPr lang="es-ES" smtClean="0"/>
               <a:t>Quinto nivel</a:t>
             </a:r>
-            <a:endParaRPr lang="en-US" dirty="0"/>
-          </a:p>
-        </p:txBody>
-      </p:sp>
-      <p:sp>
-        <p:nvSpPr>
-          <p:cNvPr id="4" name="Content Placeholder 3"/>
+            <a:endParaRPr lang="es-CO"/>
+          </a:p>
+        </p:txBody>
+      </p:sp>
+      <p:sp>
+        <p:nvSpPr>
+          <p:cNvPr id="4" name="Marcador de contenido 3"/>
           <p:cNvSpPr>
             <a:spLocks noGrp="1"/>
           </p:cNvSpPr>
@@ -1172,8 +1171,8 @@
         </p:nvSpPr>
         <p:spPr>
           <a:xfrm>
-            <a:off x="4629150" y="1825625"/>
-            <a:ext cx="3886200" cy="4351338"/>
+            <a:off x="1971675" y="3244851"/>
+            <a:ext cx="1620739" cy="7736416"/>
           </a:xfrm>
         </p:spPr>
         <p:txBody>
@@ -1213,13 +1212,13 @@
               <a:rPr lang="es-ES" smtClean="0"/>
               <a:t>Quinto nivel</a:t>
             </a:r>
-            <a:endParaRPr lang="en-US" dirty="0"/>
-          </a:p>
-        </p:txBody>
-      </p:sp>
-      <p:sp>
-        <p:nvSpPr>
-          <p:cNvPr id="5" name="Date Placeholder 4"/>
+            <a:endParaRPr lang="es-CO"/>
+          </a:p>
+        </p:txBody>
+      </p:sp>
+      <p:sp>
+        <p:nvSpPr>
+          <p:cNvPr id="5" name="Marcador de fecha 4"/>
           <p:cNvSpPr>
             <a:spLocks noGrp="1"/>
           </p:cNvSpPr>
@@ -1232,9 +1231,9 @@
           <a:bodyPr/>
           <a:lstStyle/>
           <a:p>
-            <a:fld id="{81136447-C232-4C84-A634-FB0A1451746F}" type="datetimeFigureOut">
+            <a:fld id="{3B2E3770-A23A-4173-BFB4-C5E21B224C77}" type="datetimeFigureOut">
               <a:rPr lang="es-CO" smtClean="0"/>
-              <a:t>12/09/2021</a:t>
+              <a:t>13/09/2021</a:t>
             </a:fld>
             <a:endParaRPr lang="es-CO"/>
           </a:p>
@@ -1242,7 +1241,7 @@
       </p:sp>
       <p:sp>
         <p:nvSpPr>
-          <p:cNvPr id="6" name="Footer Placeholder 5"/>
+          <p:cNvPr id="6" name="Marcador de pie de página 5"/>
           <p:cNvSpPr>
             <a:spLocks noGrp="1"/>
           </p:cNvSpPr>
@@ -1261,7 +1260,7 @@
       </p:sp>
       <p:sp>
         <p:nvSpPr>
-          <p:cNvPr id="7" name="Slide Number Placeholder 6"/>
+          <p:cNvPr id="7" name="Marcador de número de diapositiva 6"/>
           <p:cNvSpPr>
             <a:spLocks noGrp="1"/>
           </p:cNvSpPr>
@@ -1274,7 +1273,7 @@
           <a:bodyPr/>
           <a:lstStyle/>
           <a:p>
-            <a:fld id="{C3700CF3-B742-4B91-9BB7-8D9555338DC9}" type="slidenum">
+            <a:fld id="{3117F2EE-F53C-4EC3-A699-49251ACBC68D}" type="slidenum">
               <a:rPr lang="es-CO" smtClean="0"/>
               <a:t>‹Nº›</a:t>
             </a:fld>
@@ -1285,7 +1284,7 @@
     </p:spTree>
     <p:extLst>
       <p:ext uri="{BB962C8B-B14F-4D97-AF65-F5344CB8AC3E}">
-        <p14:creationId xmlns:p14="http://schemas.microsoft.com/office/powerpoint/2010/main" val="1239323521"/>
+        <p14:creationId xmlns:p14="http://schemas.microsoft.com/office/powerpoint/2010/main" val="1179222241"/>
       </p:ext>
     </p:extLst>
   </p:cSld>
@@ -1314,7 +1313,7 @@
       </p:grpSpPr>
       <p:sp>
         <p:nvSpPr>
-          <p:cNvPr id="2" name="Title 1"/>
+          <p:cNvPr id="2" name="Título 1"/>
           <p:cNvSpPr>
             <a:spLocks noGrp="1"/>
           </p:cNvSpPr>
@@ -1324,8 +1323,8 @@
         </p:nvSpPr>
         <p:spPr>
           <a:xfrm>
-            <a:off x="629841" y="365126"/>
-            <a:ext cx="7886700" cy="1325563"/>
+            <a:off x="472381" y="486834"/>
+            <a:ext cx="5915025" cy="1767417"/>
           </a:xfrm>
         </p:spPr>
         <p:txBody>
@@ -1336,13 +1335,13 @@
               <a:rPr lang="es-ES" smtClean="0"/>
               <a:t>Haga clic para modificar el estilo de título del patrón</a:t>
             </a:r>
-            <a:endParaRPr lang="en-US" dirty="0"/>
-          </a:p>
-        </p:txBody>
-      </p:sp>
-      <p:sp>
-        <p:nvSpPr>
-          <p:cNvPr id="3" name="Text Placeholder 2"/>
+            <a:endParaRPr lang="es-CO"/>
+          </a:p>
+        </p:txBody>
+      </p:sp>
+      <p:sp>
+        <p:nvSpPr>
+          <p:cNvPr id="3" name="Marcador de texto 2"/>
           <p:cNvSpPr>
             <a:spLocks noGrp="1"/>
           </p:cNvSpPr>
@@ -1352,8 +1351,8 @@
         </p:nvSpPr>
         <p:spPr>
           <a:xfrm>
-            <a:off x="629842" y="1681163"/>
-            <a:ext cx="3868340" cy="823912"/>
+            <a:off x="472381" y="2241551"/>
+            <a:ext cx="2901255" cy="1098549"/>
           </a:xfrm>
         </p:spPr>
         <p:txBody>
@@ -1361,39 +1360,39 @@
           <a:lstStyle>
             <a:lvl1pPr marL="0" indent="0">
               <a:buNone/>
-              <a:defRPr sz="2400" b="1"/>
+              <a:defRPr sz="1350" b="1"/>
             </a:lvl1pPr>
-            <a:lvl2pPr marL="457200" indent="0">
-              <a:buNone/>
-              <a:defRPr sz="2000" b="1"/>
+            <a:lvl2pPr marL="257175" indent="0">
+              <a:buNone/>
+              <a:defRPr sz="1125" b="1"/>
             </a:lvl2pPr>
-            <a:lvl3pPr marL="914400" indent="0">
-              <a:buNone/>
-              <a:defRPr sz="1800" b="1"/>
+            <a:lvl3pPr marL="514350" indent="0">
+              <a:buNone/>
+              <a:defRPr sz="1013" b="1"/>
             </a:lvl3pPr>
-            <a:lvl4pPr marL="1371600" indent="0">
-              <a:buNone/>
-              <a:defRPr sz="1600" b="1"/>
+            <a:lvl4pPr marL="771525" indent="0">
+              <a:buNone/>
+              <a:defRPr sz="900" b="1"/>
             </a:lvl4pPr>
-            <a:lvl5pPr marL="1828800" indent="0">
-              <a:buNone/>
-              <a:defRPr sz="1600" b="1"/>
+            <a:lvl5pPr marL="1028700" indent="0">
+              <a:buNone/>
+              <a:defRPr sz="900" b="1"/>
             </a:lvl5pPr>
-            <a:lvl6pPr marL="2286000" indent="0">
-              <a:buNone/>
-              <a:defRPr sz="1600" b="1"/>
+            <a:lvl6pPr marL="1285875" indent="0">
+              <a:buNone/>
+              <a:defRPr sz="900" b="1"/>
             </a:lvl6pPr>
-            <a:lvl7pPr marL="2743200" indent="0">
-              <a:buNone/>
-              <a:defRPr sz="1600" b="1"/>
+            <a:lvl7pPr marL="1543050" indent="0">
+              <a:buNone/>
+              <a:defRPr sz="900" b="1"/>
             </a:lvl7pPr>
-            <a:lvl8pPr marL="3200400" indent="0">
-              <a:buNone/>
-              <a:defRPr sz="1600" b="1"/>
+            <a:lvl8pPr marL="1800225" indent="0">
+              <a:buNone/>
+              <a:defRPr sz="900" b="1"/>
             </a:lvl8pPr>
-            <a:lvl9pPr marL="3657600" indent="0">
-              <a:buNone/>
-              <a:defRPr sz="1600" b="1"/>
+            <a:lvl9pPr marL="2057400" indent="0">
+              <a:buNone/>
+              <a:defRPr sz="900" b="1"/>
             </a:lvl9pPr>
           </a:lstStyle>
           <a:p>
@@ -1407,7 +1406,7 @@
       </p:sp>
       <p:sp>
         <p:nvSpPr>
-          <p:cNvPr id="4" name="Content Placeholder 3"/>
+          <p:cNvPr id="4" name="Marcador de contenido 3"/>
           <p:cNvSpPr>
             <a:spLocks noGrp="1"/>
           </p:cNvSpPr>
@@ -1417,8 +1416,8 @@
         </p:nvSpPr>
         <p:spPr>
           <a:xfrm>
-            <a:off x="629842" y="2505075"/>
-            <a:ext cx="3868340" cy="3684588"/>
+            <a:off x="472381" y="3340100"/>
+            <a:ext cx="2901255" cy="4912784"/>
           </a:xfrm>
         </p:spPr>
         <p:txBody>
@@ -1458,13 +1457,13 @@
               <a:rPr lang="es-ES" smtClean="0"/>
               <a:t>Quinto nivel</a:t>
             </a:r>
-            <a:endParaRPr lang="en-US" dirty="0"/>
-          </a:p>
-        </p:txBody>
-      </p:sp>
-      <p:sp>
-        <p:nvSpPr>
-          <p:cNvPr id="5" name="Text Placeholder 4"/>
+            <a:endParaRPr lang="es-CO"/>
+          </a:p>
+        </p:txBody>
+      </p:sp>
+      <p:sp>
+        <p:nvSpPr>
+          <p:cNvPr id="5" name="Marcador de texto 4"/>
           <p:cNvSpPr>
             <a:spLocks noGrp="1"/>
           </p:cNvSpPr>
@@ -1474,8 +1473,8 @@
         </p:nvSpPr>
         <p:spPr>
           <a:xfrm>
-            <a:off x="4629150" y="1681163"/>
-            <a:ext cx="3887391" cy="823912"/>
+            <a:off x="3471863" y="2241551"/>
+            <a:ext cx="2915543" cy="1098549"/>
           </a:xfrm>
         </p:spPr>
         <p:txBody>
@@ -1483,39 +1482,39 @@
           <a:lstStyle>
             <a:lvl1pPr marL="0" indent="0">
               <a:buNone/>
-              <a:defRPr sz="2400" b="1"/>
+              <a:defRPr sz="1350" b="1"/>
             </a:lvl1pPr>
-            <a:lvl2pPr marL="457200" indent="0">
-              <a:buNone/>
-              <a:defRPr sz="2000" b="1"/>
+            <a:lvl2pPr marL="257175" indent="0">
+              <a:buNone/>
+              <a:defRPr sz="1125" b="1"/>
             </a:lvl2pPr>
-            <a:lvl3pPr marL="914400" indent="0">
-              <a:buNone/>
-              <a:defRPr sz="1800" b="1"/>
+            <a:lvl3pPr marL="514350" indent="0">
+              <a:buNone/>
+              <a:defRPr sz="1013" b="1"/>
             </a:lvl3pPr>
-            <a:lvl4pPr marL="1371600" indent="0">
-              <a:buNone/>
-              <a:defRPr sz="1600" b="1"/>
+            <a:lvl4pPr marL="771525" indent="0">
+              <a:buNone/>
+              <a:defRPr sz="900" b="1"/>
             </a:lvl4pPr>
-            <a:lvl5pPr marL="1828800" indent="0">
-              <a:buNone/>
-              <a:defRPr sz="1600" b="1"/>
+            <a:lvl5pPr marL="1028700" indent="0">
+              <a:buNone/>
+              <a:defRPr sz="900" b="1"/>
             </a:lvl5pPr>
-            <a:lvl6pPr marL="2286000" indent="0">
-              <a:buNone/>
-              <a:defRPr sz="1600" b="1"/>
+            <a:lvl6pPr marL="1285875" indent="0">
+              <a:buNone/>
+              <a:defRPr sz="900" b="1"/>
             </a:lvl6pPr>
-            <a:lvl7pPr marL="2743200" indent="0">
-              <a:buNone/>
-              <a:defRPr sz="1600" b="1"/>
+            <a:lvl7pPr marL="1543050" indent="0">
+              <a:buNone/>
+              <a:defRPr sz="900" b="1"/>
             </a:lvl7pPr>
-            <a:lvl8pPr marL="3200400" indent="0">
-              <a:buNone/>
-              <a:defRPr sz="1600" b="1"/>
+            <a:lvl8pPr marL="1800225" indent="0">
+              <a:buNone/>
+              <a:defRPr sz="900" b="1"/>
             </a:lvl8pPr>
-            <a:lvl9pPr marL="3657600" indent="0">
-              <a:buNone/>
-              <a:defRPr sz="1600" b="1"/>
+            <a:lvl9pPr marL="2057400" indent="0">
+              <a:buNone/>
+              <a:defRPr sz="900" b="1"/>
             </a:lvl9pPr>
           </a:lstStyle>
           <a:p>
@@ -1529,7 +1528,7 @@
       </p:sp>
       <p:sp>
         <p:nvSpPr>
-          <p:cNvPr id="6" name="Content Placeholder 5"/>
+          <p:cNvPr id="6" name="Marcador de contenido 5"/>
           <p:cNvSpPr>
             <a:spLocks noGrp="1"/>
           </p:cNvSpPr>
@@ -1539,8 +1538,8 @@
         </p:nvSpPr>
         <p:spPr>
           <a:xfrm>
-            <a:off x="4629150" y="2505075"/>
-            <a:ext cx="3887391" cy="3684588"/>
+            <a:off x="3471863" y="3340100"/>
+            <a:ext cx="2915543" cy="4912784"/>
           </a:xfrm>
         </p:spPr>
         <p:txBody>
@@ -1580,13 +1579,13 @@
               <a:rPr lang="es-ES" smtClean="0"/>
               <a:t>Quinto nivel</a:t>
             </a:r>
-            <a:endParaRPr lang="en-US" dirty="0"/>
-          </a:p>
-        </p:txBody>
-      </p:sp>
-      <p:sp>
-        <p:nvSpPr>
-          <p:cNvPr id="7" name="Date Placeholder 6"/>
+            <a:endParaRPr lang="es-CO"/>
+          </a:p>
+        </p:txBody>
+      </p:sp>
+      <p:sp>
+        <p:nvSpPr>
+          <p:cNvPr id="7" name="Marcador de fecha 6"/>
           <p:cNvSpPr>
             <a:spLocks noGrp="1"/>
           </p:cNvSpPr>
@@ -1599,9 +1598,9 @@
           <a:bodyPr/>
           <a:lstStyle/>
           <a:p>
-            <a:fld id="{81136447-C232-4C84-A634-FB0A1451746F}" type="datetimeFigureOut">
+            <a:fld id="{3B2E3770-A23A-4173-BFB4-C5E21B224C77}" type="datetimeFigureOut">
               <a:rPr lang="es-CO" smtClean="0"/>
-              <a:t>12/09/2021</a:t>
+              <a:t>13/09/2021</a:t>
             </a:fld>
             <a:endParaRPr lang="es-CO"/>
           </a:p>
@@ -1609,7 +1608,7 @@
       </p:sp>
       <p:sp>
         <p:nvSpPr>
-          <p:cNvPr id="8" name="Footer Placeholder 7"/>
+          <p:cNvPr id="8" name="Marcador de pie de página 7"/>
           <p:cNvSpPr>
             <a:spLocks noGrp="1"/>
           </p:cNvSpPr>
@@ -1628,7 +1627,7 @@
       </p:sp>
       <p:sp>
         <p:nvSpPr>
-          <p:cNvPr id="9" name="Slide Number Placeholder 8"/>
+          <p:cNvPr id="9" name="Marcador de número de diapositiva 8"/>
           <p:cNvSpPr>
             <a:spLocks noGrp="1"/>
           </p:cNvSpPr>
@@ -1641,7 +1640,7 @@
           <a:bodyPr/>
           <a:lstStyle/>
           <a:p>
-            <a:fld id="{C3700CF3-B742-4B91-9BB7-8D9555338DC9}" type="slidenum">
+            <a:fld id="{3117F2EE-F53C-4EC3-A699-49251ACBC68D}" type="slidenum">
               <a:rPr lang="es-CO" smtClean="0"/>
               <a:t>‹Nº›</a:t>
             </a:fld>
@@ -1652,7 +1651,7 @@
     </p:spTree>
     <p:extLst>
       <p:ext uri="{BB962C8B-B14F-4D97-AF65-F5344CB8AC3E}">
-        <p14:creationId xmlns:p14="http://schemas.microsoft.com/office/powerpoint/2010/main" val="1988042440"/>
+        <p14:creationId xmlns:p14="http://schemas.microsoft.com/office/powerpoint/2010/main" val="975942707"/>
       </p:ext>
     </p:extLst>
   </p:cSld>
@@ -1681,7 +1680,7 @@
       </p:grpSpPr>
       <p:sp>
         <p:nvSpPr>
-          <p:cNvPr id="2" name="Title 1"/>
+          <p:cNvPr id="2" name="Título 1"/>
           <p:cNvSpPr>
             <a:spLocks noGrp="1"/>
           </p:cNvSpPr>
@@ -1698,13 +1697,13 @@
               <a:rPr lang="es-ES" smtClean="0"/>
               <a:t>Haga clic para modificar el estilo de título del patrón</a:t>
             </a:r>
-            <a:endParaRPr lang="en-US" dirty="0"/>
-          </a:p>
-        </p:txBody>
-      </p:sp>
-      <p:sp>
-        <p:nvSpPr>
-          <p:cNvPr id="3" name="Date Placeholder 2"/>
+            <a:endParaRPr lang="es-CO"/>
+          </a:p>
+        </p:txBody>
+      </p:sp>
+      <p:sp>
+        <p:nvSpPr>
+          <p:cNvPr id="3" name="Marcador de fecha 2"/>
           <p:cNvSpPr>
             <a:spLocks noGrp="1"/>
           </p:cNvSpPr>
@@ -1717,9 +1716,9 @@
           <a:bodyPr/>
           <a:lstStyle/>
           <a:p>
-            <a:fld id="{81136447-C232-4C84-A634-FB0A1451746F}" type="datetimeFigureOut">
+            <a:fld id="{3B2E3770-A23A-4173-BFB4-C5E21B224C77}" type="datetimeFigureOut">
               <a:rPr lang="es-CO" smtClean="0"/>
-              <a:t>12/09/2021</a:t>
+              <a:t>13/09/2021</a:t>
             </a:fld>
             <a:endParaRPr lang="es-CO"/>
           </a:p>
@@ -1727,7 +1726,7 @@
       </p:sp>
       <p:sp>
         <p:nvSpPr>
-          <p:cNvPr id="4" name="Footer Placeholder 3"/>
+          <p:cNvPr id="4" name="Marcador de pie de página 3"/>
           <p:cNvSpPr>
             <a:spLocks noGrp="1"/>
           </p:cNvSpPr>
@@ -1746,7 +1745,7 @@
       </p:sp>
       <p:sp>
         <p:nvSpPr>
-          <p:cNvPr id="5" name="Slide Number Placeholder 4"/>
+          <p:cNvPr id="5" name="Marcador de número de diapositiva 4"/>
           <p:cNvSpPr>
             <a:spLocks noGrp="1"/>
           </p:cNvSpPr>
@@ -1759,7 +1758,7 @@
           <a:bodyPr/>
           <a:lstStyle/>
           <a:p>
-            <a:fld id="{C3700CF3-B742-4B91-9BB7-8D9555338DC9}" type="slidenum">
+            <a:fld id="{3117F2EE-F53C-4EC3-A699-49251ACBC68D}" type="slidenum">
               <a:rPr lang="es-CO" smtClean="0"/>
               <a:t>‹Nº›</a:t>
             </a:fld>
@@ -1770,7 +1769,7 @@
     </p:spTree>
     <p:extLst>
       <p:ext uri="{BB962C8B-B14F-4D97-AF65-F5344CB8AC3E}">
-        <p14:creationId xmlns:p14="http://schemas.microsoft.com/office/powerpoint/2010/main" val="1025233624"/>
+        <p14:creationId xmlns:p14="http://schemas.microsoft.com/office/powerpoint/2010/main" val="1658525457"/>
       </p:ext>
     </p:extLst>
   </p:cSld>
@@ -1799,7 +1798,7 @@
       </p:grpSpPr>
       <p:sp>
         <p:nvSpPr>
-          <p:cNvPr id="2" name="Date Placeholder 1"/>
+          <p:cNvPr id="2" name="Marcador de fecha 1"/>
           <p:cNvSpPr>
             <a:spLocks noGrp="1"/>
           </p:cNvSpPr>
@@ -1812,9 +1811,9 @@
           <a:bodyPr/>
           <a:lstStyle/>
           <a:p>
-            <a:fld id="{81136447-C232-4C84-A634-FB0A1451746F}" type="datetimeFigureOut">
+            <a:fld id="{3B2E3770-A23A-4173-BFB4-C5E21B224C77}" type="datetimeFigureOut">
               <a:rPr lang="es-CO" smtClean="0"/>
-              <a:t>12/09/2021</a:t>
+              <a:t>13/09/2021</a:t>
             </a:fld>
             <a:endParaRPr lang="es-CO"/>
           </a:p>
@@ -1822,7 +1821,7 @@
       </p:sp>
       <p:sp>
         <p:nvSpPr>
-          <p:cNvPr id="3" name="Footer Placeholder 2"/>
+          <p:cNvPr id="3" name="Marcador de pie de página 2"/>
           <p:cNvSpPr>
             <a:spLocks noGrp="1"/>
           </p:cNvSpPr>
@@ -1841,7 +1840,7 @@
       </p:sp>
       <p:sp>
         <p:nvSpPr>
-          <p:cNvPr id="4" name="Slide Number Placeholder 3"/>
+          <p:cNvPr id="4" name="Marcador de número de diapositiva 3"/>
           <p:cNvSpPr>
             <a:spLocks noGrp="1"/>
           </p:cNvSpPr>
@@ -1854,7 +1853,7 @@
           <a:bodyPr/>
           <a:lstStyle/>
           <a:p>
-            <a:fld id="{C3700CF3-B742-4B91-9BB7-8D9555338DC9}" type="slidenum">
+            <a:fld id="{3117F2EE-F53C-4EC3-A699-49251ACBC68D}" type="slidenum">
               <a:rPr lang="es-CO" smtClean="0"/>
               <a:t>‹Nº›</a:t>
             </a:fld>
@@ -1865,7 +1864,7 @@
     </p:spTree>
     <p:extLst>
       <p:ext uri="{BB962C8B-B14F-4D97-AF65-F5344CB8AC3E}">
-        <p14:creationId xmlns:p14="http://schemas.microsoft.com/office/powerpoint/2010/main" val="3620437728"/>
+        <p14:creationId xmlns:p14="http://schemas.microsoft.com/office/powerpoint/2010/main" val="2911714796"/>
       </p:ext>
     </p:extLst>
   </p:cSld>
@@ -1894,7 +1893,7 @@
       </p:grpSpPr>
       <p:sp>
         <p:nvSpPr>
-          <p:cNvPr id="2" name="Title 1"/>
+          <p:cNvPr id="2" name="Título 1"/>
           <p:cNvSpPr>
             <a:spLocks noGrp="1"/>
           </p:cNvSpPr>
@@ -1904,15 +1903,15 @@
         </p:nvSpPr>
         <p:spPr>
           <a:xfrm>
-            <a:off x="629841" y="457200"/>
-            <a:ext cx="2949178" cy="1600200"/>
+            <a:off x="472381" y="609600"/>
+            <a:ext cx="2211883" cy="2133600"/>
           </a:xfrm>
         </p:spPr>
         <p:txBody>
           <a:bodyPr anchor="b"/>
           <a:lstStyle>
             <a:lvl1pPr>
-              <a:defRPr sz="3200"/>
+              <a:defRPr sz="1800"/>
             </a:lvl1pPr>
           </a:lstStyle>
           <a:p>
@@ -1920,13 +1919,13 @@
               <a:rPr lang="es-ES" smtClean="0"/>
               <a:t>Haga clic para modificar el estilo de título del patrón</a:t>
             </a:r>
-            <a:endParaRPr lang="en-US" dirty="0"/>
-          </a:p>
-        </p:txBody>
-      </p:sp>
-      <p:sp>
-        <p:nvSpPr>
-          <p:cNvPr id="3" name="Content Placeholder 2"/>
+            <a:endParaRPr lang="es-CO"/>
+          </a:p>
+        </p:txBody>
+      </p:sp>
+      <p:sp>
+        <p:nvSpPr>
+          <p:cNvPr id="3" name="Marcador de contenido 2"/>
           <p:cNvSpPr>
             <a:spLocks noGrp="1"/>
           </p:cNvSpPr>
@@ -1936,39 +1935,39 @@
         </p:nvSpPr>
         <p:spPr>
           <a:xfrm>
-            <a:off x="3887391" y="987426"/>
-            <a:ext cx="4629150" cy="4873625"/>
+            <a:off x="2915543" y="1316567"/>
+            <a:ext cx="3471863" cy="6498167"/>
           </a:xfrm>
         </p:spPr>
         <p:txBody>
           <a:bodyPr/>
           <a:lstStyle>
             <a:lvl1pPr>
-              <a:defRPr sz="3200"/>
+              <a:defRPr sz="1800"/>
             </a:lvl1pPr>
             <a:lvl2pPr>
-              <a:defRPr sz="2800"/>
+              <a:defRPr sz="1575"/>
             </a:lvl2pPr>
             <a:lvl3pPr>
-              <a:defRPr sz="2400"/>
+              <a:defRPr sz="1350"/>
             </a:lvl3pPr>
             <a:lvl4pPr>
-              <a:defRPr sz="2000"/>
+              <a:defRPr sz="1125"/>
             </a:lvl4pPr>
             <a:lvl5pPr>
-              <a:defRPr sz="2000"/>
+              <a:defRPr sz="1125"/>
             </a:lvl5pPr>
             <a:lvl6pPr>
-              <a:defRPr sz="2000"/>
+              <a:defRPr sz="1125"/>
             </a:lvl6pPr>
             <a:lvl7pPr>
-              <a:defRPr sz="2000"/>
+              <a:defRPr sz="1125"/>
             </a:lvl7pPr>
             <a:lvl8pPr>
-              <a:defRPr sz="2000"/>
+              <a:defRPr sz="1125"/>
             </a:lvl8pPr>
             <a:lvl9pPr>
-              <a:defRPr sz="2000"/>
+              <a:defRPr sz="1125"/>
             </a:lvl9pPr>
           </a:lstStyle>
           <a:p>
@@ -2005,13 +2004,13 @@
               <a:rPr lang="es-ES" smtClean="0"/>
               <a:t>Quinto nivel</a:t>
             </a:r>
-            <a:endParaRPr lang="en-US" dirty="0"/>
-          </a:p>
-        </p:txBody>
-      </p:sp>
-      <p:sp>
-        <p:nvSpPr>
-          <p:cNvPr id="4" name="Text Placeholder 3"/>
+            <a:endParaRPr lang="es-CO"/>
+          </a:p>
+        </p:txBody>
+      </p:sp>
+      <p:sp>
+        <p:nvSpPr>
+          <p:cNvPr id="4" name="Marcador de texto 3"/>
           <p:cNvSpPr>
             <a:spLocks noGrp="1"/>
           </p:cNvSpPr>
@@ -2021,8 +2020,8 @@
         </p:nvSpPr>
         <p:spPr>
           <a:xfrm>
-            <a:off x="629841" y="2057400"/>
-            <a:ext cx="2949178" cy="3811588"/>
+            <a:off x="472381" y="2743200"/>
+            <a:ext cx="2211883" cy="5082117"/>
           </a:xfrm>
         </p:spPr>
         <p:txBody>
@@ -2030,39 +2029,39 @@
           <a:lstStyle>
             <a:lvl1pPr marL="0" indent="0">
               <a:buNone/>
-              <a:defRPr sz="1600"/>
+              <a:defRPr sz="900"/>
             </a:lvl1pPr>
-            <a:lvl2pPr marL="457200" indent="0">
-              <a:buNone/>
-              <a:defRPr sz="1400"/>
+            <a:lvl2pPr marL="257175" indent="0">
+              <a:buNone/>
+              <a:defRPr sz="788"/>
             </a:lvl2pPr>
-            <a:lvl3pPr marL="914400" indent="0">
-              <a:buNone/>
-              <a:defRPr sz="1200"/>
+            <a:lvl3pPr marL="514350" indent="0">
+              <a:buNone/>
+              <a:defRPr sz="675"/>
             </a:lvl3pPr>
-            <a:lvl4pPr marL="1371600" indent="0">
-              <a:buNone/>
-              <a:defRPr sz="1000"/>
+            <a:lvl4pPr marL="771525" indent="0">
+              <a:buNone/>
+              <a:defRPr sz="563"/>
             </a:lvl4pPr>
-            <a:lvl5pPr marL="1828800" indent="0">
-              <a:buNone/>
-              <a:defRPr sz="1000"/>
+            <a:lvl5pPr marL="1028700" indent="0">
+              <a:buNone/>
+              <a:defRPr sz="563"/>
             </a:lvl5pPr>
-            <a:lvl6pPr marL="2286000" indent="0">
-              <a:buNone/>
-              <a:defRPr sz="1000"/>
+            <a:lvl6pPr marL="1285875" indent="0">
+              <a:buNone/>
+              <a:defRPr sz="563"/>
             </a:lvl6pPr>
-            <a:lvl7pPr marL="2743200" indent="0">
-              <a:buNone/>
-              <a:defRPr sz="1000"/>
+            <a:lvl7pPr marL="1543050" indent="0">
+              <a:buNone/>
+              <a:defRPr sz="563"/>
             </a:lvl7pPr>
-            <a:lvl8pPr marL="3200400" indent="0">
-              <a:buNone/>
-              <a:defRPr sz="1000"/>
+            <a:lvl8pPr marL="1800225" indent="0">
+              <a:buNone/>
+              <a:defRPr sz="563"/>
             </a:lvl8pPr>
-            <a:lvl9pPr marL="3657600" indent="0">
-              <a:buNone/>
-              <a:defRPr sz="1000"/>
+            <a:lvl9pPr marL="2057400" indent="0">
+              <a:buNone/>
+              <a:defRPr sz="563"/>
             </a:lvl9pPr>
           </a:lstStyle>
           <a:p>
@@ -2076,7 +2075,7 @@
       </p:sp>
       <p:sp>
         <p:nvSpPr>
-          <p:cNvPr id="5" name="Date Placeholder 4"/>
+          <p:cNvPr id="5" name="Marcador de fecha 4"/>
           <p:cNvSpPr>
             <a:spLocks noGrp="1"/>
           </p:cNvSpPr>
@@ -2089,9 +2088,9 @@
           <a:bodyPr/>
           <a:lstStyle/>
           <a:p>
-            <a:fld id="{81136447-C232-4C84-A634-FB0A1451746F}" type="datetimeFigureOut">
+            <a:fld id="{3B2E3770-A23A-4173-BFB4-C5E21B224C77}" type="datetimeFigureOut">
               <a:rPr lang="es-CO" smtClean="0"/>
-              <a:t>12/09/2021</a:t>
+              <a:t>13/09/2021</a:t>
             </a:fld>
             <a:endParaRPr lang="es-CO"/>
           </a:p>
@@ -2099,7 +2098,7 @@
       </p:sp>
       <p:sp>
         <p:nvSpPr>
-          <p:cNvPr id="6" name="Footer Placeholder 5"/>
+          <p:cNvPr id="6" name="Marcador de pie de página 5"/>
           <p:cNvSpPr>
             <a:spLocks noGrp="1"/>
           </p:cNvSpPr>
@@ -2118,7 +2117,7 @@
       </p:sp>
       <p:sp>
         <p:nvSpPr>
-          <p:cNvPr id="7" name="Slide Number Placeholder 6"/>
+          <p:cNvPr id="7" name="Marcador de número de diapositiva 6"/>
           <p:cNvSpPr>
             <a:spLocks noGrp="1"/>
           </p:cNvSpPr>
@@ -2131,7 +2130,7 @@
           <a:bodyPr/>
           <a:lstStyle/>
           <a:p>
-            <a:fld id="{C3700CF3-B742-4B91-9BB7-8D9555338DC9}" type="slidenum">
+            <a:fld id="{3117F2EE-F53C-4EC3-A699-49251ACBC68D}" type="slidenum">
               <a:rPr lang="es-CO" smtClean="0"/>
               <a:t>‹Nº›</a:t>
             </a:fld>
@@ -2142,7 +2141,7 @@
     </p:spTree>
     <p:extLst>
       <p:ext uri="{BB962C8B-B14F-4D97-AF65-F5344CB8AC3E}">
-        <p14:creationId xmlns:p14="http://schemas.microsoft.com/office/powerpoint/2010/main" val="3046036530"/>
+        <p14:creationId xmlns:p14="http://schemas.microsoft.com/office/powerpoint/2010/main" val="2599017810"/>
       </p:ext>
     </p:extLst>
   </p:cSld>
@@ -2171,7 +2170,7 @@
       </p:grpSpPr>
       <p:sp>
         <p:nvSpPr>
-          <p:cNvPr id="2" name="Title 1"/>
+          <p:cNvPr id="2" name="Título 1"/>
           <p:cNvSpPr>
             <a:spLocks noGrp="1"/>
           </p:cNvSpPr>
@@ -2181,15 +2180,15 @@
         </p:nvSpPr>
         <p:spPr>
           <a:xfrm>
-            <a:off x="629841" y="457200"/>
-            <a:ext cx="2949178" cy="1600200"/>
+            <a:off x="472381" y="609600"/>
+            <a:ext cx="2211883" cy="2133600"/>
           </a:xfrm>
         </p:spPr>
         <p:txBody>
           <a:bodyPr anchor="b"/>
           <a:lstStyle>
             <a:lvl1pPr>
-              <a:defRPr sz="3200"/>
+              <a:defRPr sz="1800"/>
             </a:lvl1pPr>
           </a:lstStyle>
           <a:p>
@@ -2197,15 +2196,15 @@
               <a:rPr lang="es-ES" smtClean="0"/>
               <a:t>Haga clic para modificar el estilo de título del patrón</a:t>
             </a:r>
-            <a:endParaRPr lang="en-US" dirty="0"/>
-          </a:p>
-        </p:txBody>
-      </p:sp>
-      <p:sp>
-        <p:nvSpPr>
-          <p:cNvPr id="3" name="Picture Placeholder 2"/>
-          <p:cNvSpPr>
-            <a:spLocks noGrp="1" noChangeAspect="1"/>
+            <a:endParaRPr lang="es-CO"/>
+          </a:p>
+        </p:txBody>
+      </p:sp>
+      <p:sp>
+        <p:nvSpPr>
+          <p:cNvPr id="3" name="Marcador de posición de imagen 2"/>
+          <p:cNvSpPr>
+            <a:spLocks noGrp="1"/>
           </p:cNvSpPr>
           <p:nvPr>
             <p:ph type="pic" idx="1"/>
@@ -2213,62 +2212,58 @@
         </p:nvSpPr>
         <p:spPr>
           <a:xfrm>
-            <a:off x="3887391" y="987426"/>
-            <a:ext cx="4629150" cy="4873625"/>
+            <a:off x="2915543" y="1316567"/>
+            <a:ext cx="3471863" cy="6498167"/>
           </a:xfrm>
         </p:spPr>
         <p:txBody>
-          <a:bodyPr anchor="t"/>
+          <a:bodyPr/>
           <a:lstStyle>
             <a:lvl1pPr marL="0" indent="0">
               <a:buNone/>
-              <a:defRPr sz="3200"/>
+              <a:defRPr sz="1800"/>
             </a:lvl1pPr>
-            <a:lvl2pPr marL="457200" indent="0">
-              <a:buNone/>
-              <a:defRPr sz="2800"/>
+            <a:lvl2pPr marL="257175" indent="0">
+              <a:buNone/>
+              <a:defRPr sz="1575"/>
             </a:lvl2pPr>
-            <a:lvl3pPr marL="914400" indent="0">
-              <a:buNone/>
-              <a:defRPr sz="2400"/>
+            <a:lvl3pPr marL="514350" indent="0">
+              <a:buNone/>
+              <a:defRPr sz="1350"/>
             </a:lvl3pPr>
-            <a:lvl4pPr marL="1371600" indent="0">
-              <a:buNone/>
-              <a:defRPr sz="2000"/>
+            <a:lvl4pPr marL="771525" indent="0">
+              <a:buNone/>
+              <a:defRPr sz="1125"/>
             </a:lvl4pPr>
-            <a:lvl5pPr marL="1828800" indent="0">
-              <a:buNone/>
-              <a:defRPr sz="2000"/>
+            <a:lvl5pPr marL="1028700" indent="0">
+              <a:buNone/>
+              <a:defRPr sz="1125"/>
             </a:lvl5pPr>
-            <a:lvl6pPr marL="2286000" indent="0">
-              <a:buNone/>
-              <a:defRPr sz="2000"/>
+            <a:lvl6pPr marL="1285875" indent="0">
+              <a:buNone/>
+              <a:defRPr sz="1125"/>
             </a:lvl6pPr>
-            <a:lvl7pPr marL="2743200" indent="0">
-              <a:buNone/>
-              <a:defRPr sz="2000"/>
+            <a:lvl7pPr marL="1543050" indent="0">
+              <a:buNone/>
+              <a:defRPr sz="1125"/>
             </a:lvl7pPr>
-            <a:lvl8pPr marL="3200400" indent="0">
-              <a:buNone/>
-              <a:defRPr sz="2000"/>
+            <a:lvl8pPr marL="1800225" indent="0">
+              <a:buNone/>
+              <a:defRPr sz="1125"/>
             </a:lvl8pPr>
-            <a:lvl9pPr marL="3657600" indent="0">
-              <a:buNone/>
-              <a:defRPr sz="2000"/>
+            <a:lvl9pPr marL="2057400" indent="0">
+              <a:buNone/>
+              <a:defRPr sz="1125"/>
             </a:lvl9pPr>
           </a:lstStyle>
           <a:p>
-            <a:r>
-              <a:rPr lang="es-ES" smtClean="0"/>
-              <a:t>Haga clic en el icono para agregar una imagen</a:t>
-            </a:r>
-            <a:endParaRPr lang="en-US" dirty="0"/>
-          </a:p>
-        </p:txBody>
-      </p:sp>
-      <p:sp>
-        <p:nvSpPr>
-          <p:cNvPr id="4" name="Text Placeholder 3"/>
+            <a:endParaRPr lang="es-CO"/>
+          </a:p>
+        </p:txBody>
+      </p:sp>
+      <p:sp>
+        <p:nvSpPr>
+          <p:cNvPr id="4" name="Marcador de texto 3"/>
           <p:cNvSpPr>
             <a:spLocks noGrp="1"/>
           </p:cNvSpPr>
@@ -2278,8 +2273,8 @@
         </p:nvSpPr>
         <p:spPr>
           <a:xfrm>
-            <a:off x="629841" y="2057400"/>
-            <a:ext cx="2949178" cy="3811588"/>
+            <a:off x="472381" y="2743200"/>
+            <a:ext cx="2211883" cy="5082117"/>
           </a:xfrm>
         </p:spPr>
         <p:txBody>
@@ -2287,39 +2282,39 @@
           <a:lstStyle>
             <a:lvl1pPr marL="0" indent="0">
               <a:buNone/>
-              <a:defRPr sz="1600"/>
+              <a:defRPr sz="900"/>
             </a:lvl1pPr>
-            <a:lvl2pPr marL="457200" indent="0">
-              <a:buNone/>
-              <a:defRPr sz="1400"/>
+            <a:lvl2pPr marL="257175" indent="0">
+              <a:buNone/>
+              <a:defRPr sz="788"/>
             </a:lvl2pPr>
-            <a:lvl3pPr marL="914400" indent="0">
-              <a:buNone/>
-              <a:defRPr sz="1200"/>
+            <a:lvl3pPr marL="514350" indent="0">
+              <a:buNone/>
+              <a:defRPr sz="675"/>
             </a:lvl3pPr>
-            <a:lvl4pPr marL="1371600" indent="0">
-              <a:buNone/>
-              <a:defRPr sz="1000"/>
+            <a:lvl4pPr marL="771525" indent="0">
+              <a:buNone/>
+              <a:defRPr sz="563"/>
             </a:lvl4pPr>
-            <a:lvl5pPr marL="1828800" indent="0">
-              <a:buNone/>
-              <a:defRPr sz="1000"/>
+            <a:lvl5pPr marL="1028700" indent="0">
+              <a:buNone/>
+              <a:defRPr sz="563"/>
             </a:lvl5pPr>
-            <a:lvl6pPr marL="2286000" indent="0">
-              <a:buNone/>
-              <a:defRPr sz="1000"/>
+            <a:lvl6pPr marL="1285875" indent="0">
+              <a:buNone/>
+              <a:defRPr sz="563"/>
             </a:lvl6pPr>
-            <a:lvl7pPr marL="2743200" indent="0">
-              <a:buNone/>
-              <a:defRPr sz="1000"/>
+            <a:lvl7pPr marL="1543050" indent="0">
+              <a:buNone/>
+              <a:defRPr sz="563"/>
             </a:lvl7pPr>
-            <a:lvl8pPr marL="3200400" indent="0">
-              <a:buNone/>
-              <a:defRPr sz="1000"/>
+            <a:lvl8pPr marL="1800225" indent="0">
+              <a:buNone/>
+              <a:defRPr sz="563"/>
             </a:lvl8pPr>
-            <a:lvl9pPr marL="3657600" indent="0">
-              <a:buNone/>
-              <a:defRPr sz="1000"/>
+            <a:lvl9pPr marL="2057400" indent="0">
+              <a:buNone/>
+              <a:defRPr sz="563"/>
             </a:lvl9pPr>
           </a:lstStyle>
           <a:p>
@@ -2333,7 +2328,7 @@
       </p:sp>
       <p:sp>
         <p:nvSpPr>
-          <p:cNvPr id="5" name="Date Placeholder 4"/>
+          <p:cNvPr id="5" name="Marcador de fecha 4"/>
           <p:cNvSpPr>
             <a:spLocks noGrp="1"/>
           </p:cNvSpPr>
@@ -2346,9 +2341,9 @@
           <a:bodyPr/>
           <a:lstStyle/>
           <a:p>
-            <a:fld id="{81136447-C232-4C84-A634-FB0A1451746F}" type="datetimeFigureOut">
+            <a:fld id="{3B2E3770-A23A-4173-BFB4-C5E21B224C77}" type="datetimeFigureOut">
               <a:rPr lang="es-CO" smtClean="0"/>
-              <a:t>12/09/2021</a:t>
+              <a:t>13/09/2021</a:t>
             </a:fld>
             <a:endParaRPr lang="es-CO"/>
           </a:p>
@@ -2356,7 +2351,7 @@
       </p:sp>
       <p:sp>
         <p:nvSpPr>
-          <p:cNvPr id="6" name="Footer Placeholder 5"/>
+          <p:cNvPr id="6" name="Marcador de pie de página 5"/>
           <p:cNvSpPr>
             <a:spLocks noGrp="1"/>
           </p:cNvSpPr>
@@ -2375,7 +2370,7 @@
       </p:sp>
       <p:sp>
         <p:nvSpPr>
-          <p:cNvPr id="7" name="Slide Number Placeholder 6"/>
+          <p:cNvPr id="7" name="Marcador de número de diapositiva 6"/>
           <p:cNvSpPr>
             <a:spLocks noGrp="1"/>
           </p:cNvSpPr>
@@ -2388,7 +2383,7 @@
           <a:bodyPr/>
           <a:lstStyle/>
           <a:p>
-            <a:fld id="{C3700CF3-B742-4B91-9BB7-8D9555338DC9}" type="slidenum">
+            <a:fld id="{3117F2EE-F53C-4EC3-A699-49251ACBC68D}" type="slidenum">
               <a:rPr lang="es-CO" smtClean="0"/>
               <a:t>‹Nº›</a:t>
             </a:fld>
@@ -2399,7 +2394,7 @@
     </p:spTree>
     <p:extLst>
       <p:ext uri="{BB962C8B-B14F-4D97-AF65-F5344CB8AC3E}">
-        <p14:creationId xmlns:p14="http://schemas.microsoft.com/office/powerpoint/2010/main" val="1705741977"/>
+        <p14:creationId xmlns:p14="http://schemas.microsoft.com/office/powerpoint/2010/main" val="3827576755"/>
       </p:ext>
     </p:extLst>
   </p:cSld>
@@ -2433,7 +2428,7 @@
       </p:grpSpPr>
       <p:sp>
         <p:nvSpPr>
-          <p:cNvPr id="2" name="Title Placeholder 1"/>
+          <p:cNvPr id="2" name="Marcador de título 1"/>
           <p:cNvSpPr>
             <a:spLocks noGrp="1"/>
           </p:cNvSpPr>
@@ -2443,8 +2438,8 @@
         </p:nvSpPr>
         <p:spPr>
           <a:xfrm>
-            <a:off x="628650" y="365126"/>
-            <a:ext cx="7886700" cy="1325563"/>
+            <a:off x="471488" y="486834"/>
+            <a:ext cx="5915025" cy="1767417"/>
           </a:xfrm>
           <a:prstGeom prst="rect">
             <a:avLst/>
@@ -2460,13 +2455,13 @@
               <a:rPr lang="es-ES" smtClean="0"/>
               <a:t>Haga clic para modificar el estilo de título del patrón</a:t>
             </a:r>
-            <a:endParaRPr lang="en-US" dirty="0"/>
-          </a:p>
-        </p:txBody>
-      </p:sp>
-      <p:sp>
-        <p:nvSpPr>
-          <p:cNvPr id="3" name="Text Placeholder 2"/>
+            <a:endParaRPr lang="es-CO"/>
+          </a:p>
+        </p:txBody>
+      </p:sp>
+      <p:sp>
+        <p:nvSpPr>
+          <p:cNvPr id="3" name="Marcador de texto 2"/>
           <p:cNvSpPr>
             <a:spLocks noGrp="1"/>
           </p:cNvSpPr>
@@ -2476,8 +2471,8 @@
         </p:nvSpPr>
         <p:spPr>
           <a:xfrm>
-            <a:off x="628650" y="1825625"/>
-            <a:ext cx="7886700" cy="4351338"/>
+            <a:off x="471488" y="2434167"/>
+            <a:ext cx="5915025" cy="5801784"/>
           </a:xfrm>
           <a:prstGeom prst="rect">
             <a:avLst/>
@@ -2522,13 +2517,13 @@
               <a:rPr lang="es-ES" smtClean="0"/>
               <a:t>Quinto nivel</a:t>
             </a:r>
-            <a:endParaRPr lang="en-US" dirty="0"/>
-          </a:p>
-        </p:txBody>
-      </p:sp>
-      <p:sp>
-        <p:nvSpPr>
-          <p:cNvPr id="4" name="Date Placeholder 3"/>
+            <a:endParaRPr lang="es-CO"/>
+          </a:p>
+        </p:txBody>
+      </p:sp>
+      <p:sp>
+        <p:nvSpPr>
+          <p:cNvPr id="4" name="Marcador de fecha 3"/>
           <p:cNvSpPr>
             <a:spLocks noGrp="1"/>
           </p:cNvSpPr>
@@ -2538,8 +2533,8 @@
         </p:nvSpPr>
         <p:spPr>
           <a:xfrm>
-            <a:off x="628650" y="6356351"/>
-            <a:ext cx="2057400" cy="365125"/>
+            <a:off x="471488" y="8475134"/>
+            <a:ext cx="1543050" cy="486833"/>
           </a:xfrm>
           <a:prstGeom prst="rect">
             <a:avLst/>
@@ -2549,7 +2544,7 @@
           <a:bodyPr vert="horz" lIns="91440" tIns="45720" rIns="91440" bIns="45720" rtlCol="0" anchor="ctr"/>
           <a:lstStyle>
             <a:lvl1pPr algn="l">
-              <a:defRPr sz="1200">
+              <a:defRPr sz="675">
                 <a:solidFill>
                   <a:schemeClr val="tx1">
                     <a:tint val="75000"/>
@@ -2559,9 +2554,9 @@
             </a:lvl1pPr>
           </a:lstStyle>
           <a:p>
-            <a:fld id="{81136447-C232-4C84-A634-FB0A1451746F}" type="datetimeFigureOut">
+            <a:fld id="{3B2E3770-A23A-4173-BFB4-C5E21B224C77}" type="datetimeFigureOut">
               <a:rPr lang="es-CO" smtClean="0"/>
-              <a:t>12/09/2021</a:t>
+              <a:t>13/09/2021</a:t>
             </a:fld>
             <a:endParaRPr lang="es-CO"/>
           </a:p>
@@ -2569,7 +2564,7 @@
       </p:sp>
       <p:sp>
         <p:nvSpPr>
-          <p:cNvPr id="5" name="Footer Placeholder 4"/>
+          <p:cNvPr id="5" name="Marcador de pie de página 4"/>
           <p:cNvSpPr>
             <a:spLocks noGrp="1"/>
           </p:cNvSpPr>
@@ -2579,8 +2574,8 @@
         </p:nvSpPr>
         <p:spPr>
           <a:xfrm>
-            <a:off x="3028950" y="6356351"/>
-            <a:ext cx="3086100" cy="365125"/>
+            <a:off x="2271713" y="8475134"/>
+            <a:ext cx="2314575" cy="486833"/>
           </a:xfrm>
           <a:prstGeom prst="rect">
             <a:avLst/>
@@ -2590,7 +2585,7 @@
           <a:bodyPr vert="horz" lIns="91440" tIns="45720" rIns="91440" bIns="45720" rtlCol="0" anchor="ctr"/>
           <a:lstStyle>
             <a:lvl1pPr algn="ctr">
-              <a:defRPr sz="1200">
+              <a:defRPr sz="675">
                 <a:solidFill>
                   <a:schemeClr val="tx1">
                     <a:tint val="75000"/>
@@ -2606,7 +2601,7 @@
       </p:sp>
       <p:sp>
         <p:nvSpPr>
-          <p:cNvPr id="6" name="Slide Number Placeholder 5"/>
+          <p:cNvPr id="6" name="Marcador de número de diapositiva 5"/>
           <p:cNvSpPr>
             <a:spLocks noGrp="1"/>
           </p:cNvSpPr>
@@ -2616,8 +2611,8 @@
         </p:nvSpPr>
         <p:spPr>
           <a:xfrm>
-            <a:off x="6457950" y="6356351"/>
-            <a:ext cx="2057400" cy="365125"/>
+            <a:off x="4843463" y="8475134"/>
+            <a:ext cx="1543050" cy="486833"/>
           </a:xfrm>
           <a:prstGeom prst="rect">
             <a:avLst/>
@@ -2627,7 +2622,7 @@
           <a:bodyPr vert="horz" lIns="91440" tIns="45720" rIns="91440" bIns="45720" rtlCol="0" anchor="ctr"/>
           <a:lstStyle>
             <a:lvl1pPr algn="r">
-              <a:defRPr sz="1200">
+              <a:defRPr sz="675">
                 <a:solidFill>
                   <a:schemeClr val="tx1">
                     <a:tint val="75000"/>
@@ -2637,7 +2632,7 @@
             </a:lvl1pPr>
           </a:lstStyle>
           <a:p>
-            <a:fld id="{C3700CF3-B742-4B91-9BB7-8D9555338DC9}" type="slidenum">
+            <a:fld id="{3117F2EE-F53C-4EC3-A699-49251ACBC68D}" type="slidenum">
               <a:rPr lang="es-CO" smtClean="0"/>
               <a:t>‹Nº›</a:t>
             </a:fld>
@@ -2648,27 +2643,27 @@
     </p:spTree>
     <p:extLst>
       <p:ext uri="{BB962C8B-B14F-4D97-AF65-F5344CB8AC3E}">
-        <p14:creationId xmlns:p14="http://schemas.microsoft.com/office/powerpoint/2010/main" val="1335419817"/>
+        <p14:creationId xmlns:p14="http://schemas.microsoft.com/office/powerpoint/2010/main" val="851172788"/>
       </p:ext>
     </p:extLst>
   </p:cSld>
   <p:clrMap bg1="lt1" tx1="dk1" bg2="lt2" tx2="dk2" accent1="accent1" accent2="accent2" accent3="accent3" accent4="accent4" accent5="accent5" accent6="accent6" hlink="hlink" folHlink="folHlink"/>
   <p:sldLayoutIdLst>
-    <p:sldLayoutId id="2147483661" r:id="rId1"/>
-    <p:sldLayoutId id="2147483662" r:id="rId2"/>
-    <p:sldLayoutId id="2147483663" r:id="rId3"/>
-    <p:sldLayoutId id="2147483664" r:id="rId4"/>
-    <p:sldLayoutId id="2147483665" r:id="rId5"/>
-    <p:sldLayoutId id="2147483666" r:id="rId6"/>
-    <p:sldLayoutId id="2147483667" r:id="rId7"/>
-    <p:sldLayoutId id="2147483668" r:id="rId8"/>
-    <p:sldLayoutId id="2147483669" r:id="rId9"/>
-    <p:sldLayoutId id="2147483670" r:id="rId10"/>
-    <p:sldLayoutId id="2147483671" r:id="rId11"/>
+    <p:sldLayoutId id="2147483649" r:id="rId1"/>
+    <p:sldLayoutId id="2147483650" r:id="rId2"/>
+    <p:sldLayoutId id="2147483651" r:id="rId3"/>
+    <p:sldLayoutId id="2147483652" r:id="rId4"/>
+    <p:sldLayoutId id="2147483653" r:id="rId5"/>
+    <p:sldLayoutId id="2147483654" r:id="rId6"/>
+    <p:sldLayoutId id="2147483655" r:id="rId7"/>
+    <p:sldLayoutId id="2147483656" r:id="rId8"/>
+    <p:sldLayoutId id="2147483657" r:id="rId9"/>
+    <p:sldLayoutId id="2147483658" r:id="rId10"/>
+    <p:sldLayoutId id="2147483659" r:id="rId11"/>
   </p:sldLayoutIdLst>
   <p:txStyles>
     <p:titleStyle>
-      <a:lvl1pPr algn="l" defTabSz="914400" rtl="0" eaLnBrk="1" latinLnBrk="0" hangingPunct="1">
+      <a:lvl1pPr algn="l" defTabSz="514350" rtl="0" eaLnBrk="1" latinLnBrk="0" hangingPunct="1">
         <a:lnSpc>
           <a:spcPct val="90000"/>
         </a:lnSpc>
@@ -2676,7 +2671,7 @@
           <a:spcPct val="0"/>
         </a:spcBef>
         <a:buNone/>
-        <a:defRPr sz="4400" kern="1200">
+        <a:defRPr sz="2475" kern="1200">
           <a:solidFill>
             <a:schemeClr val="tx1"/>
           </a:solidFill>
@@ -2687,16 +2682,16 @@
       </a:lvl1pPr>
     </p:titleStyle>
     <p:bodyStyle>
-      <a:lvl1pPr marL="228600" indent="-228600" algn="l" defTabSz="914400" rtl="0" eaLnBrk="1" latinLnBrk="0" hangingPunct="1">
+      <a:lvl1pPr marL="128588" indent="-128588" algn="l" defTabSz="514350" rtl="0" eaLnBrk="1" latinLnBrk="0" hangingPunct="1">
         <a:lnSpc>
           <a:spcPct val="90000"/>
         </a:lnSpc>
         <a:spcBef>
-          <a:spcPts val="1000"/>
+          <a:spcPts val="563"/>
         </a:spcBef>
         <a:buFont typeface="Arial" panose="020B0604020202020204" pitchFamily="34" charset="0"/>
         <a:buChar char="•"/>
-        <a:defRPr sz="2800" kern="1200">
+        <a:defRPr sz="1575" kern="1200">
           <a:solidFill>
             <a:schemeClr val="tx1"/>
           </a:solidFill>
@@ -2705,16 +2700,16 @@
           <a:cs typeface="+mn-cs"/>
         </a:defRPr>
       </a:lvl1pPr>
-      <a:lvl2pPr marL="685800" indent="-228600" algn="l" defTabSz="914400" rtl="0" eaLnBrk="1" latinLnBrk="0" hangingPunct="1">
+      <a:lvl2pPr marL="385763" indent="-128588" algn="l" defTabSz="514350" rtl="0" eaLnBrk="1" latinLnBrk="0" hangingPunct="1">
         <a:lnSpc>
           <a:spcPct val="90000"/>
         </a:lnSpc>
         <a:spcBef>
-          <a:spcPts val="500"/>
+          <a:spcPts val="281"/>
         </a:spcBef>
         <a:buFont typeface="Arial" panose="020B0604020202020204" pitchFamily="34" charset="0"/>
         <a:buChar char="•"/>
-        <a:defRPr sz="2400" kern="1200">
+        <a:defRPr sz="1350" kern="1200">
           <a:solidFill>
             <a:schemeClr val="tx1"/>
           </a:solidFill>
@@ -2723,16 +2718,16 @@
           <a:cs typeface="+mn-cs"/>
         </a:defRPr>
       </a:lvl2pPr>
-      <a:lvl3pPr marL="1143000" indent="-228600" algn="l" defTabSz="914400" rtl="0" eaLnBrk="1" latinLnBrk="0" hangingPunct="1">
+      <a:lvl3pPr marL="642938" indent="-128588" algn="l" defTabSz="514350" rtl="0" eaLnBrk="1" latinLnBrk="0" hangingPunct="1">
         <a:lnSpc>
           <a:spcPct val="90000"/>
         </a:lnSpc>
         <a:spcBef>
-          <a:spcPts val="500"/>
+          <a:spcPts val="281"/>
         </a:spcBef>
         <a:buFont typeface="Arial" panose="020B0604020202020204" pitchFamily="34" charset="0"/>
         <a:buChar char="•"/>
-        <a:defRPr sz="2000" kern="1200">
+        <a:defRPr sz="1125" kern="1200">
           <a:solidFill>
             <a:schemeClr val="tx1"/>
           </a:solidFill>
@@ -2741,16 +2736,16 @@
           <a:cs typeface="+mn-cs"/>
         </a:defRPr>
       </a:lvl3pPr>
-      <a:lvl4pPr marL="1600200" indent="-228600" algn="l" defTabSz="914400" rtl="0" eaLnBrk="1" latinLnBrk="0" hangingPunct="1">
+      <a:lvl4pPr marL="900113" indent="-128588" algn="l" defTabSz="514350" rtl="0" eaLnBrk="1" latinLnBrk="0" hangingPunct="1">
         <a:lnSpc>
           <a:spcPct val="90000"/>
         </a:lnSpc>
         <a:spcBef>
-          <a:spcPts val="500"/>
+          <a:spcPts val="281"/>
         </a:spcBef>
         <a:buFont typeface="Arial" panose="020B0604020202020204" pitchFamily="34" charset="0"/>
         <a:buChar char="•"/>
-        <a:defRPr sz="1800" kern="1200">
+        <a:defRPr sz="1013" kern="1200">
           <a:solidFill>
             <a:schemeClr val="tx1"/>
           </a:solidFill>
@@ -2759,16 +2754,16 @@
           <a:cs typeface="+mn-cs"/>
         </a:defRPr>
       </a:lvl4pPr>
-      <a:lvl5pPr marL="2057400" indent="-228600" algn="l" defTabSz="914400" rtl="0" eaLnBrk="1" latinLnBrk="0" hangingPunct="1">
+      <a:lvl5pPr marL="1157288" indent="-128588" algn="l" defTabSz="514350" rtl="0" eaLnBrk="1" latinLnBrk="0" hangingPunct="1">
         <a:lnSpc>
           <a:spcPct val="90000"/>
         </a:lnSpc>
         <a:spcBef>
-          <a:spcPts val="500"/>
+          <a:spcPts val="281"/>
         </a:spcBef>
         <a:buFont typeface="Arial" panose="020B0604020202020204" pitchFamily="34" charset="0"/>
         <a:buChar char="•"/>
-        <a:defRPr sz="1800" kern="1200">
+        <a:defRPr sz="1013" kern="1200">
           <a:solidFill>
             <a:schemeClr val="tx1"/>
           </a:solidFill>
@@ -2777,16 +2772,16 @@
           <a:cs typeface="+mn-cs"/>
         </a:defRPr>
       </a:lvl5pPr>
-      <a:lvl6pPr marL="2514600" indent="-228600" algn="l" defTabSz="914400" rtl="0" eaLnBrk="1" latinLnBrk="0" hangingPunct="1">
+      <a:lvl6pPr marL="1414463" indent="-128588" algn="l" defTabSz="514350" rtl="0" eaLnBrk="1" latinLnBrk="0" hangingPunct="1">
         <a:lnSpc>
           <a:spcPct val="90000"/>
         </a:lnSpc>
         <a:spcBef>
-          <a:spcPts val="500"/>
+          <a:spcPts val="281"/>
         </a:spcBef>
         <a:buFont typeface="Arial" panose="020B0604020202020204" pitchFamily="34" charset="0"/>
         <a:buChar char="•"/>
-        <a:defRPr sz="1800" kern="1200">
+        <a:defRPr sz="1013" kern="1200">
           <a:solidFill>
             <a:schemeClr val="tx1"/>
           </a:solidFill>
@@ -2795,16 +2790,16 @@
           <a:cs typeface="+mn-cs"/>
         </a:defRPr>
       </a:lvl6pPr>
-      <a:lvl7pPr marL="2971800" indent="-228600" algn="l" defTabSz="914400" rtl="0" eaLnBrk="1" latinLnBrk="0" hangingPunct="1">
+      <a:lvl7pPr marL="1671638" indent="-128588" algn="l" defTabSz="514350" rtl="0" eaLnBrk="1" latinLnBrk="0" hangingPunct="1">
         <a:lnSpc>
           <a:spcPct val="90000"/>
         </a:lnSpc>
         <a:spcBef>
-          <a:spcPts val="500"/>
+          <a:spcPts val="281"/>
         </a:spcBef>
         <a:buFont typeface="Arial" panose="020B0604020202020204" pitchFamily="34" charset="0"/>
         <a:buChar char="•"/>
-        <a:defRPr sz="1800" kern="1200">
+        <a:defRPr sz="1013" kern="1200">
           <a:solidFill>
             <a:schemeClr val="tx1"/>
           </a:solidFill>
@@ -2813,16 +2808,16 @@
           <a:cs typeface="+mn-cs"/>
         </a:defRPr>
       </a:lvl7pPr>
-      <a:lvl8pPr marL="3429000" indent="-228600" algn="l" defTabSz="914400" rtl="0" eaLnBrk="1" latinLnBrk="0" hangingPunct="1">
+      <a:lvl8pPr marL="1928813" indent="-128588" algn="l" defTabSz="514350" rtl="0" eaLnBrk="1" latinLnBrk="0" hangingPunct="1">
         <a:lnSpc>
           <a:spcPct val="90000"/>
         </a:lnSpc>
         <a:spcBef>
-          <a:spcPts val="500"/>
+          <a:spcPts val="281"/>
         </a:spcBef>
         <a:buFont typeface="Arial" panose="020B0604020202020204" pitchFamily="34" charset="0"/>
         <a:buChar char="•"/>
-        <a:defRPr sz="1800" kern="1200">
+        <a:defRPr sz="1013" kern="1200">
           <a:solidFill>
             <a:schemeClr val="tx1"/>
           </a:solidFill>
@@ -2831,16 +2826,16 @@
           <a:cs typeface="+mn-cs"/>
         </a:defRPr>
       </a:lvl8pPr>
-      <a:lvl9pPr marL="3886200" indent="-228600" algn="l" defTabSz="914400" rtl="0" eaLnBrk="1" latinLnBrk="0" hangingPunct="1">
+      <a:lvl9pPr marL="2185988" indent="-128588" algn="l" defTabSz="514350" rtl="0" eaLnBrk="1" latinLnBrk="0" hangingPunct="1">
         <a:lnSpc>
           <a:spcPct val="90000"/>
         </a:lnSpc>
         <a:spcBef>
-          <a:spcPts val="500"/>
+          <a:spcPts val="281"/>
         </a:spcBef>
         <a:buFont typeface="Arial" panose="020B0604020202020204" pitchFamily="34" charset="0"/>
         <a:buChar char="•"/>
-        <a:defRPr sz="1800" kern="1200">
+        <a:defRPr sz="1013" kern="1200">
           <a:solidFill>
             <a:schemeClr val="tx1"/>
           </a:solidFill>
@@ -2852,10 +2847,10 @@
     </p:bodyStyle>
     <p:otherStyle>
       <a:defPPr>
-        <a:defRPr lang="en-US"/>
+        <a:defRPr lang="es-CO"/>
       </a:defPPr>
-      <a:lvl1pPr marL="0" algn="l" defTabSz="914400" rtl="0" eaLnBrk="1" latinLnBrk="0" hangingPunct="1">
-        <a:defRPr sz="1800" kern="1200">
+      <a:lvl1pPr marL="0" algn="l" defTabSz="514350" rtl="0" eaLnBrk="1" latinLnBrk="0" hangingPunct="1">
+        <a:defRPr sz="1013" kern="1200">
           <a:solidFill>
             <a:schemeClr val="tx1"/>
           </a:solidFill>
@@ -2864,8 +2859,8 @@
           <a:cs typeface="+mn-cs"/>
         </a:defRPr>
       </a:lvl1pPr>
-      <a:lvl2pPr marL="457200" algn="l" defTabSz="914400" rtl="0" eaLnBrk="1" latinLnBrk="0" hangingPunct="1">
-        <a:defRPr sz="1800" kern="1200">
+      <a:lvl2pPr marL="257175" algn="l" defTabSz="514350" rtl="0" eaLnBrk="1" latinLnBrk="0" hangingPunct="1">
+        <a:defRPr sz="1013" kern="1200">
           <a:solidFill>
             <a:schemeClr val="tx1"/>
           </a:solidFill>
@@ -2874,8 +2869,8 @@
           <a:cs typeface="+mn-cs"/>
         </a:defRPr>
       </a:lvl2pPr>
-      <a:lvl3pPr marL="914400" algn="l" defTabSz="914400" rtl="0" eaLnBrk="1" latinLnBrk="0" hangingPunct="1">
-        <a:defRPr sz="1800" kern="1200">
+      <a:lvl3pPr marL="514350" algn="l" defTabSz="514350" rtl="0" eaLnBrk="1" latinLnBrk="0" hangingPunct="1">
+        <a:defRPr sz="1013" kern="1200">
           <a:solidFill>
             <a:schemeClr val="tx1"/>
           </a:solidFill>
@@ -2884,8 +2879,8 @@
           <a:cs typeface="+mn-cs"/>
         </a:defRPr>
       </a:lvl3pPr>
-      <a:lvl4pPr marL="1371600" algn="l" defTabSz="914400" rtl="0" eaLnBrk="1" latinLnBrk="0" hangingPunct="1">
-        <a:defRPr sz="1800" kern="1200">
+      <a:lvl4pPr marL="771525" algn="l" defTabSz="514350" rtl="0" eaLnBrk="1" latinLnBrk="0" hangingPunct="1">
+        <a:defRPr sz="1013" kern="1200">
           <a:solidFill>
             <a:schemeClr val="tx1"/>
           </a:solidFill>
@@ -2894,8 +2889,8 @@
           <a:cs typeface="+mn-cs"/>
         </a:defRPr>
       </a:lvl4pPr>
-      <a:lvl5pPr marL="1828800" algn="l" defTabSz="914400" rtl="0" eaLnBrk="1" latinLnBrk="0" hangingPunct="1">
-        <a:defRPr sz="1800" kern="1200">
+      <a:lvl5pPr marL="1028700" algn="l" defTabSz="514350" rtl="0" eaLnBrk="1" latinLnBrk="0" hangingPunct="1">
+        <a:defRPr sz="1013" kern="1200">
           <a:solidFill>
             <a:schemeClr val="tx1"/>
           </a:solidFill>
@@ -2904,8 +2899,8 @@
           <a:cs typeface="+mn-cs"/>
         </a:defRPr>
       </a:lvl5pPr>
-      <a:lvl6pPr marL="2286000" algn="l" defTabSz="914400" rtl="0" eaLnBrk="1" latinLnBrk="0" hangingPunct="1">
-        <a:defRPr sz="1800" kern="1200">
+      <a:lvl6pPr marL="1285875" algn="l" defTabSz="514350" rtl="0" eaLnBrk="1" latinLnBrk="0" hangingPunct="1">
+        <a:defRPr sz="1013" kern="1200">
           <a:solidFill>
             <a:schemeClr val="tx1"/>
           </a:solidFill>
@@ -2914,8 +2909,8 @@
           <a:cs typeface="+mn-cs"/>
         </a:defRPr>
       </a:lvl6pPr>
-      <a:lvl7pPr marL="2743200" algn="l" defTabSz="914400" rtl="0" eaLnBrk="1" latinLnBrk="0" hangingPunct="1">
-        <a:defRPr sz="1800" kern="1200">
+      <a:lvl7pPr marL="1543050" algn="l" defTabSz="514350" rtl="0" eaLnBrk="1" latinLnBrk="0" hangingPunct="1">
+        <a:defRPr sz="1013" kern="1200">
           <a:solidFill>
             <a:schemeClr val="tx1"/>
           </a:solidFill>
@@ -2924,8 +2919,8 @@
           <a:cs typeface="+mn-cs"/>
         </a:defRPr>
       </a:lvl7pPr>
-      <a:lvl8pPr marL="3200400" algn="l" defTabSz="914400" rtl="0" eaLnBrk="1" latinLnBrk="0" hangingPunct="1">
-        <a:defRPr sz="1800" kern="1200">
+      <a:lvl8pPr marL="1800225" algn="l" defTabSz="514350" rtl="0" eaLnBrk="1" latinLnBrk="0" hangingPunct="1">
+        <a:defRPr sz="1013" kern="1200">
           <a:solidFill>
             <a:schemeClr val="tx1"/>
           </a:solidFill>
@@ -2934,8 +2929,8 @@
           <a:cs typeface="+mn-cs"/>
         </a:defRPr>
       </a:lvl8pPr>
-      <a:lvl9pPr marL="3657600" algn="l" defTabSz="914400" rtl="0" eaLnBrk="1" latinLnBrk="0" hangingPunct="1">
-        <a:defRPr sz="1800" kern="1200">
+      <a:lvl9pPr marL="2057400" algn="l" defTabSz="514350" rtl="0" eaLnBrk="1" latinLnBrk="0" hangingPunct="1">
+        <a:defRPr sz="1013" kern="1200">
           <a:solidFill>
             <a:schemeClr val="tx1"/>
           </a:solidFill>
@@ -2949,78 +2944,10 @@
 </p:sldMaster>
 </file>
 
-<file path=ppt/slides/slide1.xml><?xml version="1.0" encoding="utf-8"?>
-<p:sld xmlns:a="http://schemas.openxmlformats.org/drawingml/2006/main" xmlns:r="http://schemas.openxmlformats.org/officeDocument/2006/relationships" xmlns:p="http://schemas.openxmlformats.org/presentationml/2006/main">
-  <p:cSld>
-    <p:spTree>
-      <p:nvGrpSpPr>
-        <p:cNvPr id="1" name=""/>
-        <p:cNvGrpSpPr/>
-        <p:nvPr/>
-      </p:nvGrpSpPr>
-      <p:grpSpPr>
-        <a:xfrm>
-          <a:off x="0" y="0"/>
-          <a:ext cx="0" cy="0"/>
-          <a:chOff x="0" y="0"/>
-          <a:chExt cx="0" cy="0"/>
-        </a:xfrm>
-      </p:grpSpPr>
-      <p:sp>
-        <p:nvSpPr>
-          <p:cNvPr id="2" name="Título 1"/>
-          <p:cNvSpPr>
-            <a:spLocks noGrp="1"/>
-          </p:cNvSpPr>
-          <p:nvPr>
-            <p:ph type="ctrTitle"/>
-          </p:nvPr>
-        </p:nvSpPr>
-        <p:spPr/>
-        <p:txBody>
-          <a:bodyPr/>
-          <a:lstStyle/>
-          <a:p>
-            <a:endParaRPr lang="es-CO"/>
-          </a:p>
-        </p:txBody>
-      </p:sp>
-      <p:sp>
-        <p:nvSpPr>
-          <p:cNvPr id="3" name="Subtítulo 2"/>
-          <p:cNvSpPr>
-            <a:spLocks noGrp="1"/>
-          </p:cNvSpPr>
-          <p:nvPr>
-            <p:ph type="subTitle" idx="1"/>
-          </p:nvPr>
-        </p:nvSpPr>
-        <p:spPr/>
-        <p:txBody>
-          <a:bodyPr/>
-          <a:lstStyle/>
-          <a:p>
-            <a:endParaRPr lang="es-CO"/>
-          </a:p>
-        </p:txBody>
-      </p:sp>
-    </p:spTree>
-    <p:extLst>
-      <p:ext uri="{BB962C8B-B14F-4D97-AF65-F5344CB8AC3E}">
-        <p14:creationId xmlns:p14="http://schemas.microsoft.com/office/powerpoint/2010/main" val="2242547469"/>
-      </p:ext>
-    </p:extLst>
-  </p:cSld>
-  <p:clrMapOvr>
-    <a:masterClrMapping/>
-  </p:clrMapOvr>
-</p:sld>
-</file>
-
 <file path=ppt/theme/theme1.xml><?xml version="1.0" encoding="utf-8"?>
 <a:theme xmlns:a="http://schemas.openxmlformats.org/drawingml/2006/main" name="Tema de Office">
   <a:themeElements>
-    <a:clrScheme name="Tema de Office">
+    <a:clrScheme name="Office">
       <a:dk1>
         <a:sysClr val="windowText" lastClr="000000"/>
       </a:dk1>
@@ -3058,7 +2985,7 @@
         <a:srgbClr val="954F72"/>
       </a:folHlink>
     </a:clrScheme>
-    <a:fontScheme name="Tema de Office">
+    <a:fontScheme name="Office">
       <a:majorFont>
         <a:latin typeface="Calibri Light" panose="020F0302020204030204"/>
         <a:ea typeface=""/>
@@ -3130,7 +3057,7 @@
         <a:font script="Geor" typeface="Sylfaen"/>
       </a:minorFont>
     </a:fontScheme>
-    <a:fmtScheme name="Tema de Office">
+    <a:fmtScheme name="Office">
       <a:fillStyleLst>
         <a:solidFill>
           <a:schemeClr val="phClr"/>
